--- a/inflearn02/doc/2.(심화)XSS 공격을 방어합니다.pptx
+++ b/inflearn02/doc/2.(심화)XSS 공격을 방어합니다.pptx
@@ -5,15 +5,17 @@
     <p:sldMasterId id="2147483648" r:id="rId1"/>
   </p:sldMasterIdLst>
   <p:notesMasterIdLst>
-    <p:notesMasterId r:id="rId5"/>
+    <p:notesMasterId r:id="rId7"/>
   </p:notesMasterIdLst>
   <p:handoutMasterIdLst>
-    <p:handoutMasterId r:id="rId6"/>
+    <p:handoutMasterId r:id="rId8"/>
   </p:handoutMasterIdLst>
   <p:sldIdLst>
     <p:sldId id="308" r:id="rId2"/>
-    <p:sldId id="318" r:id="rId3"/>
-    <p:sldId id="319" r:id="rId4"/>
+    <p:sldId id="320" r:id="rId3"/>
+    <p:sldId id="318" r:id="rId4"/>
+    <p:sldId id="321" r:id="rId5"/>
+    <p:sldId id="319" r:id="rId6"/>
   </p:sldIdLst>
   <p:sldSz cx="12192000" cy="6858000"/>
   <p:notesSz cx="6858000" cy="9144000"/>
@@ -224,7 +226,7 @@
                 <a:latin typeface="맑은 고딕" panose="020B0503020000020004" pitchFamily="50" charset="-127"/>
                 <a:ea typeface="맑은 고딕" panose="020B0503020000020004" pitchFamily="50" charset="-127"/>
               </a:rPr>
-              <a:t>2021년 6월 9일</a:t>
+              <a:t>2021년 7월 2일</a:t>
             </a:fld>
             <a:endParaRPr lang="ko-KR" altLang="en-US">
               <a:latin typeface="맑은 고딕" panose="020B0503020000020004" pitchFamily="50" charset="-127"/>
@@ -410,7 +412,7 @@
             <a:fld id="{BE16EC8A-0758-4FA9-BF4D-3119057076D1}" type="datetime4">
               <a:rPr lang="ko-KR" altLang="en-US" smtClean="0"/>
               <a:pPr/>
-              <a:t>2021년 6월 9일</a:t>
+              <a:t>2021년 7월 2일</a:t>
             </a:fld>
             <a:endParaRPr lang="ko-KR" altLang="en-US"/>
           </a:p>
@@ -2892,7 +2894,7 @@
           <a:p>
             <a:fld id="{2A5B65E4-62A8-4988-B07B-5D6D443B14ED}" type="datetime4">
               <a:rPr lang="ko-KR" altLang="en-US" smtClean="0"/>
-              <a:t>2021년 6월 9일</a:t>
+              <a:t>2021년 7월 2일</a:t>
             </a:fld>
             <a:endParaRPr lang="ko-KR" altLang="en-US"/>
           </a:p>
@@ -3148,7 +3150,7 @@
           <a:p>
             <a:fld id="{58EB6286-0DE7-4336-9826-977AD102FCF2}" type="datetime4">
               <a:rPr lang="ko-KR" altLang="en-US" noProof="0" smtClean="0"/>
-              <a:t>2021년 6월 9일</a:t>
+              <a:t>2021년 7월 2일</a:t>
             </a:fld>
             <a:endParaRPr lang="ko-KR" altLang="en-US" noProof="0"/>
           </a:p>
@@ -3344,7 +3346,7 @@
             <a:pPr rtl="0"/>
             <a:fld id="{6A5419DA-7218-42E5-A443-F000500111E1}" type="datetime4">
               <a:rPr lang="ko-KR" altLang="en-US" noProof="0" smtClean="0"/>
-              <a:t>2021년 6월 9일</a:t>
+              <a:t>2021년 7월 2일</a:t>
             </a:fld>
             <a:endParaRPr lang="ko-KR" altLang="en-US" noProof="0"/>
           </a:p>
@@ -5745,7 +5747,7 @@
           <a:p>
             <a:fld id="{E498C52F-1DF1-4226-BAB6-C1E2EE4C9D62}" type="datetime4">
               <a:rPr lang="ko-KR" altLang="en-US" noProof="0" smtClean="0"/>
-              <a:t>2021년 6월 9일</a:t>
+              <a:t>2021년 7월 2일</a:t>
             </a:fld>
             <a:endParaRPr lang="ko-KR" altLang="en-US" noProof="0"/>
           </a:p>
@@ -6264,7 +6266,7 @@
           <a:p>
             <a:fld id="{7B1E1FFC-F755-4558-8D3C-A157D1A01A8A}" type="datetime4">
               <a:rPr lang="ko-KR" altLang="en-US" noProof="0" smtClean="0"/>
-              <a:t>2021년 6월 9일</a:t>
+              <a:t>2021년 7월 2일</a:t>
             </a:fld>
             <a:endParaRPr lang="ko-KR" altLang="en-US" noProof="0"/>
           </a:p>
@@ -6408,7 +6410,7 @@
             <a:pPr rtl="0"/>
             <a:fld id="{DA2A33C0-A4A8-4C90-B6DA-35B8CF58C816}" type="datetime4">
               <a:rPr lang="ko-KR" altLang="en-US" noProof="0" smtClean="0"/>
-              <a:t>2021년 6월 9일</a:t>
+              <a:t>2021년 7월 2일</a:t>
             </a:fld>
             <a:endParaRPr lang="ko-KR" altLang="en-US" noProof="0"/>
           </a:p>
@@ -8356,7 +8358,7 @@
           <a:p>
             <a:fld id="{53CB1B8F-A14A-4BE4-A9B9-3B263F04145C}" type="datetime4">
               <a:rPr lang="ko-KR" altLang="en-US" noProof="0" smtClean="0"/>
-              <a:t>2021년 6월 9일</a:t>
+              <a:t>2021년 7월 2일</a:t>
             </a:fld>
             <a:endParaRPr lang="ko-KR" altLang="en-US" noProof="0"/>
           </a:p>
@@ -10653,7 +10655,7 @@
           <a:p>
             <a:fld id="{5B9196A3-957C-4113-A568-B6ED9AEA3D01}" type="datetime4">
               <a:rPr lang="ko-KR" altLang="en-US" noProof="0" smtClean="0"/>
-              <a:t>2021년 6월 9일</a:t>
+              <a:t>2021년 7월 2일</a:t>
             </a:fld>
             <a:endParaRPr lang="ko-KR" altLang="en-US" noProof="0"/>
           </a:p>
@@ -14970,7 +14972,7 @@
           <a:p>
             <a:fld id="{28BEB146-D335-4DA5-9826-58595BCDBE2E}" type="datetime4">
               <a:rPr lang="ko-KR" altLang="en-US" noProof="0" smtClean="0"/>
-              <a:t>2021년 6월 9일</a:t>
+              <a:t>2021년 7월 2일</a:t>
             </a:fld>
             <a:endParaRPr lang="ko-KR" altLang="en-US" noProof="0"/>
           </a:p>
@@ -15710,11 +15712,7 @@
             </a:r>
             <a:r>
               <a:rPr lang="ko-KR" altLang="en-US"/>
-              <a:t>공격을 방어합니다</a:t>
-            </a:r>
-            <a:r>
-              <a:rPr lang="en-US" altLang="ko-KR"/>
-              <a:t>.</a:t>
+              <a:t>공격을 방어하는 방법</a:t>
             </a:r>
             <a:endParaRPr lang="ko-KR" altLang="en-US" dirty="0"/>
           </a:p>
@@ -15743,245 +15741,83 @@
           <a:p>
             <a:r>
               <a:rPr lang="ko-KR" altLang="en-US"/>
-              <a:t>모든 서비스 로직이 수행한</a:t>
+              <a:t>입력값을 치환</a:t>
+            </a:r>
+            <a:endParaRPr lang="en-US" altLang="ko-KR">
+              <a:solidFill>
+                <a:srgbClr val="2A00FF"/>
+              </a:solidFill>
+              <a:latin typeface="Consolas" panose="020B0609020204030204" pitchFamily="49" charset="0"/>
+            </a:endParaRPr>
+          </a:p>
+          <a:p>
+            <a:pPr lvl="1"/>
+            <a:r>
+              <a:rPr lang="ko-KR" altLang="en-US"/>
+              <a:t>우리회사</a:t>
             </a:r>
             <a:r>
               <a:rPr lang="en-US" altLang="ko-KR"/>
-              <a:t> </a:t>
+              <a:t>(</a:t>
             </a:r>
             <a:r>
               <a:rPr lang="ko-KR" altLang="en-US"/>
-              <a:t>후</a:t>
-            </a:r>
+              <a:t>주</a:t>
+            </a:r>
+            <a:r>
+              <a:rPr lang="en-US" altLang="ko-KR"/>
+              <a:t>) -&gt; </a:t>
+            </a:r>
+            <a:r>
+              <a:rPr lang="ko-KR" altLang="en-US"/>
+              <a:t>우리회사</a:t>
+            </a:r>
+            <a:r>
+              <a:rPr lang="en-US" altLang="ko-KR">
+                <a:solidFill>
+                  <a:srgbClr val="2A00FF"/>
+                </a:solidFill>
+                <a:latin typeface="Consolas" panose="020B0609020204030204" pitchFamily="49" charset="0"/>
+              </a:rPr>
+              <a:t>&amp;#40;</a:t>
+            </a:r>
+            <a:r>
+              <a:rPr lang="ko-KR" altLang="en-US">
+                <a:solidFill>
+                  <a:srgbClr val="2A00FF"/>
+                </a:solidFill>
+                <a:latin typeface="Consolas" panose="020B0609020204030204" pitchFamily="49" charset="0"/>
+              </a:rPr>
+              <a:t>주</a:t>
+            </a:r>
+            <a:r>
+              <a:rPr lang="en-US" altLang="ko-KR">
+                <a:solidFill>
+                  <a:srgbClr val="2A00FF"/>
+                </a:solidFill>
+                <a:latin typeface="Consolas" panose="020B0609020204030204" pitchFamily="49" charset="0"/>
+              </a:rPr>
+              <a:t>&amp;#41;</a:t>
+            </a:r>
+          </a:p>
+          <a:p>
+            <a:pPr marL="274320" lvl="1" indent="0">
+              <a:buNone/>
+            </a:pPr>
             <a:endParaRPr lang="en-US" altLang="ko-KR"/>
           </a:p>
           <a:p>
-            <a:r>
-              <a:rPr lang="ko-KR" altLang="en-US"/>
-              <a:t>뷰로 데이터를 표현할때 </a:t>
-            </a:r>
-            <a:r>
-              <a:rPr lang="en-US" altLang="ko-KR"/>
-              <a:t>XSS </a:t>
-            </a:r>
-            <a:r>
-              <a:rPr lang="ko-KR" altLang="en-US"/>
-              <a:t>방어</a:t>
-            </a:r>
+            <a:pPr lvl="1"/>
             <a:endParaRPr lang="en-US" altLang="ko-KR"/>
-          </a:p>
-        </p:txBody>
-      </p:sp>
-      <p:sp>
-        <p:nvSpPr>
-          <p:cNvPr id="8" name="직사각형 7">
-            <a:extLst>
-              <a:ext uri="{FF2B5EF4-FFF2-40B4-BE49-F238E27FC236}">
-                <a16:creationId xmlns:a16="http://schemas.microsoft.com/office/drawing/2014/main" id="{95301C8B-B1B4-411A-BA85-59EFD39ABD2C}"/>
-              </a:ext>
-            </a:extLst>
-          </p:cNvPr>
-          <p:cNvSpPr/>
-          <p:nvPr/>
-        </p:nvSpPr>
-        <p:spPr>
-          <a:xfrm>
-            <a:off x="1501813" y="3390472"/>
-            <a:ext cx="1427503" cy="495729"/>
-          </a:xfrm>
-          <a:prstGeom prst="rect">
-            <a:avLst/>
-          </a:prstGeom>
-        </p:spPr>
-        <p:style>
-          <a:lnRef idx="1">
-            <a:schemeClr val="accent3"/>
-          </a:lnRef>
-          <a:fillRef idx="2">
-            <a:schemeClr val="accent3"/>
-          </a:fillRef>
-          <a:effectRef idx="1">
-            <a:schemeClr val="accent3"/>
-          </a:effectRef>
-          <a:fontRef idx="minor">
-            <a:schemeClr val="dk1"/>
-          </a:fontRef>
-        </p:style>
-        <p:txBody>
-          <a:bodyPr rtlCol="0" anchor="ctr"/>
-          <a:lstStyle/>
-          <a:p>
-            <a:pPr algn="ctr"/>
-            <a:r>
-              <a:rPr lang="ko-KR" altLang="en-US"/>
-              <a:t>브라우저</a:t>
-            </a:r>
-            <a:endParaRPr lang="en-US" altLang="ko-KR" dirty="0"/>
-          </a:p>
-        </p:txBody>
-      </p:sp>
-      <p:sp>
-        <p:nvSpPr>
-          <p:cNvPr id="16" name="직사각형 15">
-            <a:extLst>
-              <a:ext uri="{FF2B5EF4-FFF2-40B4-BE49-F238E27FC236}">
-                <a16:creationId xmlns:a16="http://schemas.microsoft.com/office/drawing/2014/main" id="{F36E4822-B48B-440F-B6BE-51F4C0B76E3F}"/>
-              </a:ext>
-            </a:extLst>
-          </p:cNvPr>
-          <p:cNvSpPr/>
-          <p:nvPr/>
-        </p:nvSpPr>
-        <p:spPr>
-          <a:xfrm>
-            <a:off x="4551162" y="3390472"/>
-            <a:ext cx="1427503" cy="495729"/>
-          </a:xfrm>
-          <a:prstGeom prst="rect">
-            <a:avLst/>
-          </a:prstGeom>
-        </p:spPr>
-        <p:style>
-          <a:lnRef idx="1">
-            <a:schemeClr val="accent3"/>
-          </a:lnRef>
-          <a:fillRef idx="2">
-            <a:schemeClr val="accent3"/>
-          </a:fillRef>
-          <a:effectRef idx="1">
-            <a:schemeClr val="accent3"/>
-          </a:effectRef>
-          <a:fontRef idx="minor">
-            <a:schemeClr val="dk1"/>
-          </a:fontRef>
-        </p:style>
-        <p:txBody>
-          <a:bodyPr rtlCol="0" anchor="ctr"/>
-          <a:lstStyle/>
-          <a:p>
-            <a:pPr algn="ctr"/>
-            <a:r>
-              <a:rPr lang="en-US" altLang="ko-KR"/>
-              <a:t>WAS</a:t>
-            </a:r>
-            <a:endParaRPr lang="en-US" altLang="ko-KR" dirty="0"/>
-          </a:p>
-        </p:txBody>
-      </p:sp>
-      <p:sp>
-        <p:nvSpPr>
-          <p:cNvPr id="17" name="직사각형 16">
-            <a:extLst>
-              <a:ext uri="{FF2B5EF4-FFF2-40B4-BE49-F238E27FC236}">
-                <a16:creationId xmlns:a16="http://schemas.microsoft.com/office/drawing/2014/main" id="{1124340D-3D66-4FD4-BBC6-FA254AAE8156}"/>
-              </a:ext>
-            </a:extLst>
-          </p:cNvPr>
-          <p:cNvSpPr/>
-          <p:nvPr/>
-        </p:nvSpPr>
-        <p:spPr>
-          <a:xfrm>
-            <a:off x="7600511" y="3390471"/>
-            <a:ext cx="1427503" cy="495729"/>
-          </a:xfrm>
-          <a:prstGeom prst="rect">
-            <a:avLst/>
-          </a:prstGeom>
-        </p:spPr>
-        <p:style>
-          <a:lnRef idx="1">
-            <a:schemeClr val="accent3"/>
-          </a:lnRef>
-          <a:fillRef idx="2">
-            <a:schemeClr val="accent3"/>
-          </a:fillRef>
-          <a:effectRef idx="1">
-            <a:schemeClr val="accent3"/>
-          </a:effectRef>
-          <a:fontRef idx="minor">
-            <a:schemeClr val="dk1"/>
-          </a:fontRef>
-        </p:style>
-        <p:txBody>
-          <a:bodyPr rtlCol="0" anchor="ctr"/>
-          <a:lstStyle/>
-          <a:p>
-            <a:pPr algn="ctr"/>
-            <a:r>
-              <a:rPr lang="ko-KR" altLang="en-US"/>
-              <a:t>브라우저</a:t>
-            </a:r>
-            <a:endParaRPr lang="en-US" altLang="ko-KR" dirty="0"/>
-          </a:p>
-        </p:txBody>
-      </p:sp>
-      <p:sp>
-        <p:nvSpPr>
-          <p:cNvPr id="19" name="TextBox 18">
-            <a:extLst>
-              <a:ext uri="{FF2B5EF4-FFF2-40B4-BE49-F238E27FC236}">
-                <a16:creationId xmlns:a16="http://schemas.microsoft.com/office/drawing/2014/main" id="{6CF65C9C-D93F-4D25-A967-F31BED2F9396}"/>
-              </a:ext>
-            </a:extLst>
-          </p:cNvPr>
-          <p:cNvSpPr txBox="1"/>
-          <p:nvPr/>
-        </p:nvSpPr>
-        <p:spPr>
-          <a:xfrm>
-            <a:off x="3007879" y="3924763"/>
-            <a:ext cx="1492716" cy="923330"/>
-          </a:xfrm>
-          <a:prstGeom prst="rect">
-            <a:avLst/>
-          </a:prstGeom>
-          <a:noFill/>
-        </p:spPr>
-        <p:txBody>
-          <a:bodyPr wrap="none" rtlCol="0">
-            <a:spAutoFit/>
-          </a:bodyPr>
-          <a:lstStyle/>
-          <a:p>
-            <a:r>
-              <a:rPr lang="ko-KR" altLang="en-US" dirty="0"/>
-              <a:t>안티 디도스</a:t>
-            </a:r>
-            <a:endParaRPr lang="en-US" altLang="ko-KR" dirty="0"/>
-          </a:p>
-          <a:p>
-            <a:r>
-              <a:rPr lang="en-US" altLang="ko-KR" dirty="0"/>
-              <a:t>IDS/IPS</a:t>
-            </a:r>
-          </a:p>
-          <a:p>
-            <a:r>
-              <a:rPr lang="ko-KR" altLang="en-US" dirty="0" err="1"/>
-              <a:t>전처리</a:t>
-            </a:r>
-            <a:r>
-              <a:rPr lang="en-US" altLang="ko-KR" dirty="0"/>
-              <a:t>(</a:t>
-            </a:r>
-            <a:r>
-              <a:rPr lang="ko-KR" altLang="en-US" dirty="0"/>
-              <a:t>필터</a:t>
-            </a:r>
-            <a:r>
-              <a:rPr lang="en-US" altLang="ko-KR" dirty="0"/>
-              <a:t>)</a:t>
-            </a:r>
           </a:p>
         </p:txBody>
       </p:sp>
       <p:pic>
         <p:nvPicPr>
-          <p:cNvPr id="21" name="그림 20">
+          <p:cNvPr id="5" name="그림 4">
             <a:extLst>
               <a:ext uri="{FF2B5EF4-FFF2-40B4-BE49-F238E27FC236}">
-                <a16:creationId xmlns:a16="http://schemas.microsoft.com/office/drawing/2014/main" id="{6AA4AAFC-D225-464F-926E-F69AABB29171}"/>
+                <a16:creationId xmlns:a16="http://schemas.microsoft.com/office/drawing/2014/main" id="{C866F1BC-1A8C-4F05-842B-F8BCD5E9EF3B}"/>
               </a:ext>
             </a:extLst>
           </p:cNvPr>
@@ -15998,38 +15834,8 @@
         </p:blipFill>
         <p:spPr>
           <a:xfrm>
-            <a:off x="6476236" y="4282361"/>
-            <a:ext cx="5620534" cy="1724266"/>
-          </a:xfrm>
-          <a:prstGeom prst="rect">
-            <a:avLst/>
-          </a:prstGeom>
-        </p:spPr>
-      </p:pic>
-      <p:pic>
-        <p:nvPicPr>
-          <p:cNvPr id="9" name="그림 8">
-            <a:extLst>
-              <a:ext uri="{FF2B5EF4-FFF2-40B4-BE49-F238E27FC236}">
-                <a16:creationId xmlns:a16="http://schemas.microsoft.com/office/drawing/2014/main" id="{A7283E64-CDD7-4692-B61B-6C0032B74523}"/>
-              </a:ext>
-            </a:extLst>
-          </p:cNvPr>
-          <p:cNvPicPr>
-            <a:picLocks noChangeAspect="1"/>
-          </p:cNvPicPr>
-          <p:nvPr/>
-        </p:nvPicPr>
-        <p:blipFill>
-          <a:blip r:embed="rId3"/>
-          <a:stretch>
-            <a:fillRect/>
-          </a:stretch>
-        </p:blipFill>
-        <p:spPr>
-          <a:xfrm>
-            <a:off x="1206020" y="5063520"/>
-            <a:ext cx="4182059" cy="943107"/>
+            <a:off x="4141701" y="3250687"/>
+            <a:ext cx="5268060" cy="2314898"/>
           </a:xfrm>
           <a:prstGeom prst="rect">
             <a:avLst/>
@@ -16039,7 +15845,7 @@
     </p:spTree>
     <p:extLst>
       <p:ext uri="{BB962C8B-B14F-4D97-AF65-F5344CB8AC3E}">
-        <p14:creationId xmlns:p14="http://schemas.microsoft.com/office/powerpoint/2010/main" val="627247084"/>
+        <p14:creationId xmlns:p14="http://schemas.microsoft.com/office/powerpoint/2010/main" val="4195599541"/>
       </p:ext>
     </p:extLst>
   </p:cSld>
@@ -16100,16 +15906,8 @@
           <a:lstStyle/>
           <a:p>
             <a:r>
-              <a:rPr lang="en-US" altLang="ko-KR"/>
-              <a:t>XSS </a:t>
-            </a:r>
-            <a:r>
               <a:rPr lang="ko-KR" altLang="en-US"/>
-              <a:t>공격을 방어합니다</a:t>
-            </a:r>
-            <a:r>
-              <a:rPr lang="en-US" altLang="ko-KR"/>
-              <a:t>.</a:t>
+              <a:t>입력값을 치환해야 하는 곳</a:t>
             </a:r>
             <a:endParaRPr lang="ko-KR" altLang="en-US" dirty="0"/>
           </a:p>
@@ -16138,6 +15936,1225 @@
           <a:p>
             <a:r>
               <a:rPr lang="ko-KR" altLang="en-US"/>
+              <a:t>전처리 </a:t>
+            </a:r>
+            <a:r>
+              <a:rPr lang="en-US" altLang="ko-KR"/>
+              <a:t>(</a:t>
+            </a:r>
+            <a:r>
+              <a:rPr lang="ko-KR" altLang="en-US"/>
+              <a:t>필터</a:t>
+            </a:r>
+            <a:r>
+              <a:rPr lang="en-US" altLang="ko-KR"/>
+              <a:t>, </a:t>
+            </a:r>
+            <a:r>
+              <a:rPr lang="ko-KR" altLang="en-US"/>
+              <a:t>안티디도스</a:t>
+            </a:r>
+            <a:r>
+              <a:rPr lang="en-US" altLang="ko-KR"/>
+              <a:t>, IPS/IDS)</a:t>
+            </a:r>
+          </a:p>
+          <a:p>
+            <a:pPr lvl="1"/>
+            <a:r>
+              <a:rPr lang="en-US" altLang="ko-KR">
+                <a:solidFill>
+                  <a:srgbClr val="FF0000"/>
+                </a:solidFill>
+              </a:rPr>
+              <a:t>XSS </a:t>
+            </a:r>
+            <a:r>
+              <a:rPr lang="ko-KR" altLang="en-US">
+                <a:solidFill>
+                  <a:srgbClr val="FF0000"/>
+                </a:solidFill>
+              </a:rPr>
+              <a:t>는 방어 했지만 올바른 데이터 사용이 불가능</a:t>
+            </a:r>
+            <a:endParaRPr lang="en-US" altLang="ko-KR">
+              <a:solidFill>
+                <a:srgbClr val="FF0000"/>
+              </a:solidFill>
+            </a:endParaRPr>
+          </a:p>
+        </p:txBody>
+      </p:sp>
+      <p:sp>
+        <p:nvSpPr>
+          <p:cNvPr id="8" name="직사각형 7">
+            <a:extLst>
+              <a:ext uri="{FF2B5EF4-FFF2-40B4-BE49-F238E27FC236}">
+                <a16:creationId xmlns:a16="http://schemas.microsoft.com/office/drawing/2014/main" id="{95301C8B-B1B4-411A-BA85-59EFD39ABD2C}"/>
+              </a:ext>
+            </a:extLst>
+          </p:cNvPr>
+          <p:cNvSpPr/>
+          <p:nvPr/>
+        </p:nvSpPr>
+        <p:spPr>
+          <a:xfrm>
+            <a:off x="1493721" y="3181135"/>
+            <a:ext cx="1427503" cy="495729"/>
+          </a:xfrm>
+          <a:prstGeom prst="rect">
+            <a:avLst/>
+          </a:prstGeom>
+        </p:spPr>
+        <p:style>
+          <a:lnRef idx="1">
+            <a:schemeClr val="accent3"/>
+          </a:lnRef>
+          <a:fillRef idx="2">
+            <a:schemeClr val="accent3"/>
+          </a:fillRef>
+          <a:effectRef idx="1">
+            <a:schemeClr val="accent3"/>
+          </a:effectRef>
+          <a:fontRef idx="minor">
+            <a:schemeClr val="dk1"/>
+          </a:fontRef>
+        </p:style>
+        <p:txBody>
+          <a:bodyPr rtlCol="0" anchor="ctr"/>
+          <a:lstStyle/>
+          <a:p>
+            <a:pPr algn="ctr"/>
+            <a:r>
+              <a:rPr lang="ko-KR" altLang="en-US" sz="1500"/>
+              <a:t>입력</a:t>
+            </a:r>
+            <a:endParaRPr lang="en-US" altLang="ko-KR" sz="1500"/>
+          </a:p>
+          <a:p>
+            <a:pPr algn="ctr"/>
+            <a:r>
+              <a:rPr lang="en-US" altLang="ko-KR" sz="1500"/>
+              <a:t>(</a:t>
+            </a:r>
+            <a:r>
+              <a:rPr lang="ko-KR" altLang="en-US" sz="1500"/>
+              <a:t>브라우저</a:t>
+            </a:r>
+            <a:r>
+              <a:rPr lang="en-US" altLang="ko-KR" sz="1500"/>
+              <a:t>)</a:t>
+            </a:r>
+            <a:endParaRPr lang="en-US" altLang="ko-KR" sz="1500" dirty="0"/>
+          </a:p>
+        </p:txBody>
+      </p:sp>
+      <p:sp>
+        <p:nvSpPr>
+          <p:cNvPr id="16" name="직사각형 15">
+            <a:extLst>
+              <a:ext uri="{FF2B5EF4-FFF2-40B4-BE49-F238E27FC236}">
+                <a16:creationId xmlns:a16="http://schemas.microsoft.com/office/drawing/2014/main" id="{F36E4822-B48B-440F-B6BE-51F4C0B76E3F}"/>
+              </a:ext>
+            </a:extLst>
+          </p:cNvPr>
+          <p:cNvSpPr/>
+          <p:nvPr/>
+        </p:nvSpPr>
+        <p:spPr>
+          <a:xfrm>
+            <a:off x="4543070" y="3181135"/>
+            <a:ext cx="1427503" cy="495729"/>
+          </a:xfrm>
+          <a:prstGeom prst="rect">
+            <a:avLst/>
+          </a:prstGeom>
+        </p:spPr>
+        <p:style>
+          <a:lnRef idx="1">
+            <a:schemeClr val="accent3"/>
+          </a:lnRef>
+          <a:fillRef idx="2">
+            <a:schemeClr val="accent3"/>
+          </a:fillRef>
+          <a:effectRef idx="1">
+            <a:schemeClr val="accent3"/>
+          </a:effectRef>
+          <a:fontRef idx="minor">
+            <a:schemeClr val="dk1"/>
+          </a:fontRef>
+        </p:style>
+        <p:txBody>
+          <a:bodyPr rtlCol="0" anchor="ctr"/>
+          <a:lstStyle/>
+          <a:p>
+            <a:pPr algn="ctr"/>
+            <a:r>
+              <a:rPr lang="ko-KR" altLang="en-US" sz="1500"/>
+              <a:t>사용</a:t>
+            </a:r>
+            <a:endParaRPr lang="en-US" altLang="ko-KR" sz="1500"/>
+          </a:p>
+          <a:p>
+            <a:pPr algn="ctr"/>
+            <a:r>
+              <a:rPr lang="en-US" altLang="ko-KR" sz="1500"/>
+              <a:t>(WAS)</a:t>
+            </a:r>
+            <a:endParaRPr lang="en-US" altLang="ko-KR" sz="1500" dirty="0"/>
+          </a:p>
+        </p:txBody>
+      </p:sp>
+      <p:sp>
+        <p:nvSpPr>
+          <p:cNvPr id="17" name="직사각형 16">
+            <a:extLst>
+              <a:ext uri="{FF2B5EF4-FFF2-40B4-BE49-F238E27FC236}">
+                <a16:creationId xmlns:a16="http://schemas.microsoft.com/office/drawing/2014/main" id="{1124340D-3D66-4FD4-BBC6-FA254AAE8156}"/>
+              </a:ext>
+            </a:extLst>
+          </p:cNvPr>
+          <p:cNvSpPr/>
+          <p:nvPr/>
+        </p:nvSpPr>
+        <p:spPr>
+          <a:xfrm>
+            <a:off x="7592419" y="3181134"/>
+            <a:ext cx="1427503" cy="495729"/>
+          </a:xfrm>
+          <a:prstGeom prst="rect">
+            <a:avLst/>
+          </a:prstGeom>
+        </p:spPr>
+        <p:style>
+          <a:lnRef idx="1">
+            <a:schemeClr val="accent3"/>
+          </a:lnRef>
+          <a:fillRef idx="2">
+            <a:schemeClr val="accent3"/>
+          </a:fillRef>
+          <a:effectRef idx="1">
+            <a:schemeClr val="accent3"/>
+          </a:effectRef>
+          <a:fontRef idx="minor">
+            <a:schemeClr val="dk1"/>
+          </a:fontRef>
+        </p:style>
+        <p:txBody>
+          <a:bodyPr rtlCol="0" anchor="ctr"/>
+          <a:lstStyle/>
+          <a:p>
+            <a:pPr algn="ctr"/>
+            <a:r>
+              <a:rPr lang="ko-KR" altLang="en-US" sz="1500"/>
+              <a:t>출력</a:t>
+            </a:r>
+            <a:endParaRPr lang="en-US" altLang="ko-KR" sz="1500"/>
+          </a:p>
+          <a:p>
+            <a:pPr algn="ctr"/>
+            <a:r>
+              <a:rPr lang="en-US" altLang="ko-KR" sz="1500"/>
+              <a:t>(</a:t>
+            </a:r>
+            <a:r>
+              <a:rPr lang="ko-KR" altLang="en-US" sz="1500"/>
+              <a:t>브라우저</a:t>
+            </a:r>
+            <a:r>
+              <a:rPr lang="en-US" altLang="ko-KR" sz="1500"/>
+              <a:t>)</a:t>
+            </a:r>
+            <a:endParaRPr lang="en-US" altLang="ko-KR" sz="1500" dirty="0"/>
+          </a:p>
+        </p:txBody>
+      </p:sp>
+      <p:sp>
+        <p:nvSpPr>
+          <p:cNvPr id="19" name="TextBox 18">
+            <a:extLst>
+              <a:ext uri="{FF2B5EF4-FFF2-40B4-BE49-F238E27FC236}">
+                <a16:creationId xmlns:a16="http://schemas.microsoft.com/office/drawing/2014/main" id="{6CF65C9C-D93F-4D25-A967-F31BED2F9396}"/>
+              </a:ext>
+            </a:extLst>
+          </p:cNvPr>
+          <p:cNvSpPr txBox="1"/>
+          <p:nvPr/>
+        </p:nvSpPr>
+        <p:spPr>
+          <a:xfrm>
+            <a:off x="1493721" y="5053868"/>
+            <a:ext cx="1492716" cy="369332"/>
+          </a:xfrm>
+          <a:prstGeom prst="rect">
+            <a:avLst/>
+          </a:prstGeom>
+          <a:noFill/>
+        </p:spPr>
+        <p:txBody>
+          <a:bodyPr wrap="none" rtlCol="0">
+            <a:spAutoFit/>
+          </a:bodyPr>
+          <a:lstStyle/>
+          <a:p>
+            <a:r>
+              <a:rPr lang="ko-KR" altLang="en-US"/>
+              <a:t>우리회사</a:t>
+            </a:r>
+            <a:r>
+              <a:rPr lang="en-US" altLang="ko-KR"/>
+              <a:t>(</a:t>
+            </a:r>
+            <a:r>
+              <a:rPr lang="ko-KR" altLang="en-US"/>
+              <a:t>주</a:t>
+            </a:r>
+            <a:r>
+              <a:rPr lang="en-US" altLang="ko-KR"/>
+              <a:t>)</a:t>
+            </a:r>
+            <a:endParaRPr lang="en-US" altLang="ko-KR" dirty="0"/>
+          </a:p>
+        </p:txBody>
+      </p:sp>
+      <p:sp>
+        <p:nvSpPr>
+          <p:cNvPr id="11" name="TextBox 10">
+            <a:extLst>
+              <a:ext uri="{FF2B5EF4-FFF2-40B4-BE49-F238E27FC236}">
+                <a16:creationId xmlns:a16="http://schemas.microsoft.com/office/drawing/2014/main" id="{5CE6C161-D8DA-495A-BC3C-FDDCEE33E766}"/>
+              </a:ext>
+            </a:extLst>
+          </p:cNvPr>
+          <p:cNvSpPr txBox="1"/>
+          <p:nvPr/>
+        </p:nvSpPr>
+        <p:spPr>
+          <a:xfrm>
+            <a:off x="4017285" y="5053868"/>
+            <a:ext cx="2544286" cy="369332"/>
+          </a:xfrm>
+          <a:prstGeom prst="rect">
+            <a:avLst/>
+          </a:prstGeom>
+          <a:noFill/>
+        </p:spPr>
+        <p:txBody>
+          <a:bodyPr wrap="none" rtlCol="0">
+            <a:spAutoFit/>
+          </a:bodyPr>
+          <a:lstStyle/>
+          <a:p>
+            <a:r>
+              <a:rPr lang="ko-KR" altLang="en-US"/>
+              <a:t>우리회사</a:t>
+            </a:r>
+            <a:r>
+              <a:rPr lang="en-US" altLang="ko-KR"/>
+              <a:t>&amp;#40;</a:t>
+            </a:r>
+            <a:r>
+              <a:rPr lang="ko-KR" altLang="en-US"/>
+              <a:t>주</a:t>
+            </a:r>
+            <a:r>
+              <a:rPr lang="en-US" altLang="ko-KR"/>
+              <a:t>&amp;#41;</a:t>
+            </a:r>
+          </a:p>
+        </p:txBody>
+      </p:sp>
+      <p:sp>
+        <p:nvSpPr>
+          <p:cNvPr id="13" name="직사각형 12">
+            <a:extLst>
+              <a:ext uri="{FF2B5EF4-FFF2-40B4-BE49-F238E27FC236}">
+                <a16:creationId xmlns:a16="http://schemas.microsoft.com/office/drawing/2014/main" id="{DEBFB3DD-0958-4DD8-8991-13FBA4317735}"/>
+              </a:ext>
+            </a:extLst>
+          </p:cNvPr>
+          <p:cNvSpPr/>
+          <p:nvPr/>
+        </p:nvSpPr>
+        <p:spPr>
+          <a:xfrm>
+            <a:off x="4543070" y="3783763"/>
+            <a:ext cx="1427503" cy="495729"/>
+          </a:xfrm>
+          <a:prstGeom prst="rect">
+            <a:avLst/>
+          </a:prstGeom>
+        </p:spPr>
+        <p:style>
+          <a:lnRef idx="1">
+            <a:schemeClr val="accent3"/>
+          </a:lnRef>
+          <a:fillRef idx="2">
+            <a:schemeClr val="accent3"/>
+          </a:fillRef>
+          <a:effectRef idx="1">
+            <a:schemeClr val="accent3"/>
+          </a:effectRef>
+          <a:fontRef idx="minor">
+            <a:schemeClr val="dk1"/>
+          </a:fontRef>
+        </p:style>
+        <p:txBody>
+          <a:bodyPr rtlCol="0" anchor="ctr"/>
+          <a:lstStyle/>
+          <a:p>
+            <a:pPr algn="ctr"/>
+            <a:r>
+              <a:rPr lang="ko-KR" altLang="en-US" sz="1500"/>
+              <a:t>저장</a:t>
+            </a:r>
+            <a:endParaRPr lang="en-US" altLang="ko-KR" sz="1500"/>
+          </a:p>
+          <a:p>
+            <a:pPr algn="ctr"/>
+            <a:r>
+              <a:rPr lang="en-US" altLang="ko-KR" sz="1500"/>
+              <a:t>(DBMS)</a:t>
+            </a:r>
+            <a:endParaRPr lang="en-US" altLang="ko-KR" sz="1500" dirty="0"/>
+          </a:p>
+        </p:txBody>
+      </p:sp>
+      <p:sp>
+        <p:nvSpPr>
+          <p:cNvPr id="14" name="직사각형 13">
+            <a:extLst>
+              <a:ext uri="{FF2B5EF4-FFF2-40B4-BE49-F238E27FC236}">
+                <a16:creationId xmlns:a16="http://schemas.microsoft.com/office/drawing/2014/main" id="{7B7812DD-F444-4312-A918-6319D67426A8}"/>
+              </a:ext>
+            </a:extLst>
+          </p:cNvPr>
+          <p:cNvSpPr/>
+          <p:nvPr/>
+        </p:nvSpPr>
+        <p:spPr>
+          <a:xfrm>
+            <a:off x="4543069" y="4390657"/>
+            <a:ext cx="1427503" cy="495729"/>
+          </a:xfrm>
+          <a:prstGeom prst="rect">
+            <a:avLst/>
+          </a:prstGeom>
+        </p:spPr>
+        <p:style>
+          <a:lnRef idx="1">
+            <a:schemeClr val="accent3"/>
+          </a:lnRef>
+          <a:fillRef idx="2">
+            <a:schemeClr val="accent3"/>
+          </a:fillRef>
+          <a:effectRef idx="1">
+            <a:schemeClr val="accent3"/>
+          </a:effectRef>
+          <a:fontRef idx="minor">
+            <a:schemeClr val="dk1"/>
+          </a:fontRef>
+        </p:style>
+        <p:txBody>
+          <a:bodyPr rtlCol="0" anchor="ctr"/>
+          <a:lstStyle/>
+          <a:p>
+            <a:pPr algn="ctr"/>
+            <a:r>
+              <a:rPr lang="ko-KR" altLang="en-US" sz="1500"/>
+              <a:t>전달</a:t>
+            </a:r>
+            <a:endParaRPr lang="en-US" altLang="ko-KR" sz="1500"/>
+          </a:p>
+          <a:p>
+            <a:pPr algn="ctr"/>
+            <a:r>
+              <a:rPr lang="en-US" altLang="ko-KR" sz="1500"/>
+              <a:t>(</a:t>
+            </a:r>
+            <a:r>
+              <a:rPr lang="ko-KR" altLang="en-US" sz="1500"/>
+              <a:t>레거시</a:t>
+            </a:r>
+            <a:r>
+              <a:rPr lang="en-US" altLang="ko-KR" sz="1500"/>
+              <a:t>)</a:t>
+            </a:r>
+            <a:endParaRPr lang="en-US" altLang="ko-KR" sz="1500" dirty="0"/>
+          </a:p>
+        </p:txBody>
+      </p:sp>
+      <p:sp>
+        <p:nvSpPr>
+          <p:cNvPr id="15" name="TextBox 14">
+            <a:extLst>
+              <a:ext uri="{FF2B5EF4-FFF2-40B4-BE49-F238E27FC236}">
+                <a16:creationId xmlns:a16="http://schemas.microsoft.com/office/drawing/2014/main" id="{355FEB0C-0418-473E-96F3-692C7BA4A43B}"/>
+              </a:ext>
+            </a:extLst>
+          </p:cNvPr>
+          <p:cNvSpPr txBox="1"/>
+          <p:nvPr/>
+        </p:nvSpPr>
+        <p:spPr>
+          <a:xfrm>
+            <a:off x="7188014" y="5053868"/>
+            <a:ext cx="2544286" cy="369332"/>
+          </a:xfrm>
+          <a:prstGeom prst="rect">
+            <a:avLst/>
+          </a:prstGeom>
+          <a:noFill/>
+        </p:spPr>
+        <p:txBody>
+          <a:bodyPr wrap="none" rtlCol="0">
+            <a:spAutoFit/>
+          </a:bodyPr>
+          <a:lstStyle/>
+          <a:p>
+            <a:r>
+              <a:rPr lang="ko-KR" altLang="en-US"/>
+              <a:t>우리회사</a:t>
+            </a:r>
+            <a:r>
+              <a:rPr lang="en-US" altLang="ko-KR"/>
+              <a:t>&amp;#40;</a:t>
+            </a:r>
+            <a:r>
+              <a:rPr lang="ko-KR" altLang="en-US"/>
+              <a:t>주</a:t>
+            </a:r>
+            <a:r>
+              <a:rPr lang="en-US" altLang="ko-KR"/>
+              <a:t>&amp;#41;</a:t>
+            </a:r>
+          </a:p>
+        </p:txBody>
+      </p:sp>
+    </p:spTree>
+    <p:extLst>
+      <p:ext uri="{BB962C8B-B14F-4D97-AF65-F5344CB8AC3E}">
+        <p14:creationId xmlns:p14="http://schemas.microsoft.com/office/powerpoint/2010/main" val="627247084"/>
+      </p:ext>
+    </p:extLst>
+  </p:cSld>
+  <p:clrMapOvr>
+    <a:masterClrMapping/>
+  </p:clrMapOvr>
+  <mc:AlternateContent xmlns:mc="http://schemas.openxmlformats.org/markup-compatibility/2006" xmlns:p14="http://schemas.microsoft.com/office/powerpoint/2010/main">
+    <mc:Choice Requires="p14">
+      <p:transition spd="med" p14:dur="700">
+        <p:fade/>
+      </p:transition>
+    </mc:Choice>
+    <mc:Fallback xmlns="">
+      <p:transition spd="med">
+        <p:fade/>
+      </p:transition>
+    </mc:Fallback>
+  </mc:AlternateContent>
+</p:sld>
+</file>
+
+<file path=ppt/slides/slide4.xml><?xml version="1.0" encoding="utf-8"?>
+<p:sld xmlns:a="http://schemas.openxmlformats.org/drawingml/2006/main" xmlns:r="http://schemas.openxmlformats.org/officeDocument/2006/relationships" xmlns:p="http://schemas.openxmlformats.org/presentationml/2006/main">
+  <p:cSld>
+    <p:spTree>
+      <p:nvGrpSpPr>
+        <p:cNvPr id="1" name=""/>
+        <p:cNvGrpSpPr/>
+        <p:nvPr/>
+      </p:nvGrpSpPr>
+      <p:grpSpPr>
+        <a:xfrm>
+          <a:off x="0" y="0"/>
+          <a:ext cx="0" cy="0"/>
+          <a:chOff x="0" y="0"/>
+          <a:chExt cx="0" cy="0"/>
+        </a:xfrm>
+      </p:grpSpPr>
+      <p:sp>
+        <p:nvSpPr>
+          <p:cNvPr id="2" name="제목 1">
+            <a:extLst>
+              <a:ext uri="{FF2B5EF4-FFF2-40B4-BE49-F238E27FC236}">
+                <a16:creationId xmlns:a16="http://schemas.microsoft.com/office/drawing/2014/main" id="{28D78D5F-E582-4987-91DF-9C7C5BEBD4EB}"/>
+              </a:ext>
+            </a:extLst>
+          </p:cNvPr>
+          <p:cNvSpPr>
+            <a:spLocks noGrp="1"/>
+          </p:cNvSpPr>
+          <p:nvPr>
+            <p:ph type="title"/>
+          </p:nvPr>
+        </p:nvSpPr>
+        <p:spPr/>
+        <p:txBody>
+          <a:bodyPr/>
+          <a:lstStyle/>
+          <a:p>
+            <a:r>
+              <a:rPr lang="ko-KR" altLang="en-US"/>
+              <a:t>입력값을 치환해야 하는 곳</a:t>
+            </a:r>
+            <a:endParaRPr lang="ko-KR" altLang="en-US" dirty="0"/>
+          </a:p>
+        </p:txBody>
+      </p:sp>
+      <p:sp>
+        <p:nvSpPr>
+          <p:cNvPr id="3" name="내용 개체 틀 2">
+            <a:extLst>
+              <a:ext uri="{FF2B5EF4-FFF2-40B4-BE49-F238E27FC236}">
+                <a16:creationId xmlns:a16="http://schemas.microsoft.com/office/drawing/2014/main" id="{DFA47AE3-6532-4E43-9E16-6D279FF62F6D}"/>
+              </a:ext>
+            </a:extLst>
+          </p:cNvPr>
+          <p:cNvSpPr>
+            <a:spLocks noGrp="1"/>
+          </p:cNvSpPr>
+          <p:nvPr>
+            <p:ph idx="1"/>
+          </p:nvPr>
+        </p:nvSpPr>
+        <p:spPr/>
+        <p:txBody>
+          <a:bodyPr/>
+          <a:lstStyle/>
+          <a:p>
+            <a:r>
+              <a:rPr lang="ko-KR" altLang="en-US"/>
+              <a:t>출력시점</a:t>
+            </a:r>
+            <a:r>
+              <a:rPr lang="en-US" altLang="ko-KR"/>
+              <a:t>(</a:t>
+            </a:r>
+            <a:r>
+              <a:rPr lang="ko-KR" altLang="en-US"/>
+              <a:t>자바스크립트</a:t>
+            </a:r>
+            <a:r>
+              <a:rPr lang="en-US" altLang="ko-KR"/>
+              <a:t>, CSS,</a:t>
+            </a:r>
+            <a:r>
+              <a:rPr lang="ko-KR" altLang="en-US"/>
+              <a:t> </a:t>
+            </a:r>
+            <a:r>
+              <a:rPr lang="en-US" altLang="ko-KR"/>
+              <a:t>XML</a:t>
+            </a:r>
+            <a:r>
+              <a:rPr lang="ko-KR" altLang="en-US"/>
+              <a:t> 등</a:t>
+            </a:r>
+            <a:r>
+              <a:rPr lang="en-US" altLang="ko-KR"/>
+              <a:t>)</a:t>
+            </a:r>
+          </a:p>
+          <a:p>
+            <a:pPr lvl="1"/>
+            <a:r>
+              <a:rPr lang="ko-KR" altLang="en-US">
+                <a:solidFill>
+                  <a:srgbClr val="FF0000"/>
+                </a:solidFill>
+              </a:rPr>
+              <a:t>올바른 데이터 사용과</a:t>
+            </a:r>
+            <a:r>
+              <a:rPr lang="en-US" altLang="ko-KR">
+                <a:solidFill>
+                  <a:srgbClr val="FF0000"/>
+                </a:solidFill>
+              </a:rPr>
+              <a:t> </a:t>
+            </a:r>
+            <a:r>
+              <a:rPr lang="ko-KR" altLang="en-US">
+                <a:solidFill>
+                  <a:srgbClr val="FF0000"/>
+                </a:solidFill>
+              </a:rPr>
+              <a:t>동시에 </a:t>
+            </a:r>
+            <a:r>
+              <a:rPr lang="en-US" altLang="ko-KR">
+                <a:solidFill>
+                  <a:srgbClr val="FF0000"/>
+                </a:solidFill>
+              </a:rPr>
+              <a:t>XSS </a:t>
+            </a:r>
+            <a:r>
+              <a:rPr lang="ko-KR" altLang="en-US">
+                <a:solidFill>
+                  <a:srgbClr val="FF0000"/>
+                </a:solidFill>
+              </a:rPr>
+              <a:t>방어</a:t>
+            </a:r>
+            <a:endParaRPr lang="en-US" altLang="ko-KR">
+              <a:solidFill>
+                <a:srgbClr val="FF0000"/>
+              </a:solidFill>
+            </a:endParaRPr>
+          </a:p>
+        </p:txBody>
+      </p:sp>
+      <p:sp>
+        <p:nvSpPr>
+          <p:cNvPr id="8" name="직사각형 7">
+            <a:extLst>
+              <a:ext uri="{FF2B5EF4-FFF2-40B4-BE49-F238E27FC236}">
+                <a16:creationId xmlns:a16="http://schemas.microsoft.com/office/drawing/2014/main" id="{95301C8B-B1B4-411A-BA85-59EFD39ABD2C}"/>
+              </a:ext>
+            </a:extLst>
+          </p:cNvPr>
+          <p:cNvSpPr/>
+          <p:nvPr/>
+        </p:nvSpPr>
+        <p:spPr>
+          <a:xfrm>
+            <a:off x="1493721" y="3181135"/>
+            <a:ext cx="1427503" cy="495729"/>
+          </a:xfrm>
+          <a:prstGeom prst="rect">
+            <a:avLst/>
+          </a:prstGeom>
+        </p:spPr>
+        <p:style>
+          <a:lnRef idx="1">
+            <a:schemeClr val="accent3"/>
+          </a:lnRef>
+          <a:fillRef idx="2">
+            <a:schemeClr val="accent3"/>
+          </a:fillRef>
+          <a:effectRef idx="1">
+            <a:schemeClr val="accent3"/>
+          </a:effectRef>
+          <a:fontRef idx="minor">
+            <a:schemeClr val="dk1"/>
+          </a:fontRef>
+        </p:style>
+        <p:txBody>
+          <a:bodyPr rtlCol="0" anchor="ctr"/>
+          <a:lstStyle/>
+          <a:p>
+            <a:pPr algn="ctr"/>
+            <a:r>
+              <a:rPr lang="ko-KR" altLang="en-US" sz="1500"/>
+              <a:t>입력</a:t>
+            </a:r>
+            <a:endParaRPr lang="en-US" altLang="ko-KR" sz="1500"/>
+          </a:p>
+          <a:p>
+            <a:pPr algn="ctr"/>
+            <a:r>
+              <a:rPr lang="en-US" altLang="ko-KR" sz="1500"/>
+              <a:t>(</a:t>
+            </a:r>
+            <a:r>
+              <a:rPr lang="ko-KR" altLang="en-US" sz="1500"/>
+              <a:t>브라우저</a:t>
+            </a:r>
+            <a:r>
+              <a:rPr lang="en-US" altLang="ko-KR" sz="1500"/>
+              <a:t>)</a:t>
+            </a:r>
+            <a:endParaRPr lang="en-US" altLang="ko-KR" sz="1500" dirty="0"/>
+          </a:p>
+        </p:txBody>
+      </p:sp>
+      <p:sp>
+        <p:nvSpPr>
+          <p:cNvPr id="16" name="직사각형 15">
+            <a:extLst>
+              <a:ext uri="{FF2B5EF4-FFF2-40B4-BE49-F238E27FC236}">
+                <a16:creationId xmlns:a16="http://schemas.microsoft.com/office/drawing/2014/main" id="{F36E4822-B48B-440F-B6BE-51F4C0B76E3F}"/>
+              </a:ext>
+            </a:extLst>
+          </p:cNvPr>
+          <p:cNvSpPr/>
+          <p:nvPr/>
+        </p:nvSpPr>
+        <p:spPr>
+          <a:xfrm>
+            <a:off x="4543070" y="3181135"/>
+            <a:ext cx="1427503" cy="495729"/>
+          </a:xfrm>
+          <a:prstGeom prst="rect">
+            <a:avLst/>
+          </a:prstGeom>
+        </p:spPr>
+        <p:style>
+          <a:lnRef idx="1">
+            <a:schemeClr val="accent3"/>
+          </a:lnRef>
+          <a:fillRef idx="2">
+            <a:schemeClr val="accent3"/>
+          </a:fillRef>
+          <a:effectRef idx="1">
+            <a:schemeClr val="accent3"/>
+          </a:effectRef>
+          <a:fontRef idx="minor">
+            <a:schemeClr val="dk1"/>
+          </a:fontRef>
+        </p:style>
+        <p:txBody>
+          <a:bodyPr rtlCol="0" anchor="ctr"/>
+          <a:lstStyle/>
+          <a:p>
+            <a:pPr algn="ctr"/>
+            <a:r>
+              <a:rPr lang="ko-KR" altLang="en-US" sz="1500"/>
+              <a:t>사용</a:t>
+            </a:r>
+            <a:endParaRPr lang="en-US" altLang="ko-KR" sz="1500"/>
+          </a:p>
+          <a:p>
+            <a:pPr algn="ctr"/>
+            <a:r>
+              <a:rPr lang="en-US" altLang="ko-KR" sz="1500"/>
+              <a:t>(WAS)</a:t>
+            </a:r>
+            <a:endParaRPr lang="en-US" altLang="ko-KR" sz="1500" dirty="0"/>
+          </a:p>
+        </p:txBody>
+      </p:sp>
+      <p:sp>
+        <p:nvSpPr>
+          <p:cNvPr id="17" name="직사각형 16">
+            <a:extLst>
+              <a:ext uri="{FF2B5EF4-FFF2-40B4-BE49-F238E27FC236}">
+                <a16:creationId xmlns:a16="http://schemas.microsoft.com/office/drawing/2014/main" id="{1124340D-3D66-4FD4-BBC6-FA254AAE8156}"/>
+              </a:ext>
+            </a:extLst>
+          </p:cNvPr>
+          <p:cNvSpPr/>
+          <p:nvPr/>
+        </p:nvSpPr>
+        <p:spPr>
+          <a:xfrm>
+            <a:off x="7592419" y="3181134"/>
+            <a:ext cx="1427503" cy="495729"/>
+          </a:xfrm>
+          <a:prstGeom prst="rect">
+            <a:avLst/>
+          </a:prstGeom>
+        </p:spPr>
+        <p:style>
+          <a:lnRef idx="1">
+            <a:schemeClr val="accent3"/>
+          </a:lnRef>
+          <a:fillRef idx="2">
+            <a:schemeClr val="accent3"/>
+          </a:fillRef>
+          <a:effectRef idx="1">
+            <a:schemeClr val="accent3"/>
+          </a:effectRef>
+          <a:fontRef idx="minor">
+            <a:schemeClr val="dk1"/>
+          </a:fontRef>
+        </p:style>
+        <p:txBody>
+          <a:bodyPr rtlCol="0" anchor="ctr"/>
+          <a:lstStyle/>
+          <a:p>
+            <a:pPr algn="ctr"/>
+            <a:r>
+              <a:rPr lang="ko-KR" altLang="en-US" sz="1500"/>
+              <a:t>출력</a:t>
+            </a:r>
+            <a:endParaRPr lang="en-US" altLang="ko-KR" sz="1500"/>
+          </a:p>
+          <a:p>
+            <a:pPr algn="ctr"/>
+            <a:r>
+              <a:rPr lang="en-US" altLang="ko-KR" sz="1500"/>
+              <a:t>(</a:t>
+            </a:r>
+            <a:r>
+              <a:rPr lang="ko-KR" altLang="en-US" sz="1500"/>
+              <a:t>브라우저</a:t>
+            </a:r>
+            <a:r>
+              <a:rPr lang="en-US" altLang="ko-KR" sz="1500"/>
+              <a:t>)</a:t>
+            </a:r>
+            <a:endParaRPr lang="en-US" altLang="ko-KR" sz="1500" dirty="0"/>
+          </a:p>
+        </p:txBody>
+      </p:sp>
+      <p:sp>
+        <p:nvSpPr>
+          <p:cNvPr id="19" name="TextBox 18">
+            <a:extLst>
+              <a:ext uri="{FF2B5EF4-FFF2-40B4-BE49-F238E27FC236}">
+                <a16:creationId xmlns:a16="http://schemas.microsoft.com/office/drawing/2014/main" id="{6CF65C9C-D93F-4D25-A967-F31BED2F9396}"/>
+              </a:ext>
+            </a:extLst>
+          </p:cNvPr>
+          <p:cNvSpPr txBox="1"/>
+          <p:nvPr/>
+        </p:nvSpPr>
+        <p:spPr>
+          <a:xfrm>
+            <a:off x="1493721" y="5053868"/>
+            <a:ext cx="1492716" cy="369332"/>
+          </a:xfrm>
+          <a:prstGeom prst="rect">
+            <a:avLst/>
+          </a:prstGeom>
+          <a:noFill/>
+        </p:spPr>
+        <p:txBody>
+          <a:bodyPr wrap="none" rtlCol="0">
+            <a:spAutoFit/>
+          </a:bodyPr>
+          <a:lstStyle/>
+          <a:p>
+            <a:r>
+              <a:rPr lang="ko-KR" altLang="en-US"/>
+              <a:t>우리회사</a:t>
+            </a:r>
+            <a:r>
+              <a:rPr lang="en-US" altLang="ko-KR"/>
+              <a:t>(</a:t>
+            </a:r>
+            <a:r>
+              <a:rPr lang="ko-KR" altLang="en-US"/>
+              <a:t>주</a:t>
+            </a:r>
+            <a:r>
+              <a:rPr lang="en-US" altLang="ko-KR"/>
+              <a:t>)</a:t>
+            </a:r>
+            <a:endParaRPr lang="en-US" altLang="ko-KR" dirty="0"/>
+          </a:p>
+        </p:txBody>
+      </p:sp>
+      <p:sp>
+        <p:nvSpPr>
+          <p:cNvPr id="11" name="TextBox 10">
+            <a:extLst>
+              <a:ext uri="{FF2B5EF4-FFF2-40B4-BE49-F238E27FC236}">
+                <a16:creationId xmlns:a16="http://schemas.microsoft.com/office/drawing/2014/main" id="{5CE6C161-D8DA-495A-BC3C-FDDCEE33E766}"/>
+              </a:ext>
+            </a:extLst>
+          </p:cNvPr>
+          <p:cNvSpPr txBox="1"/>
+          <p:nvPr/>
+        </p:nvSpPr>
+        <p:spPr>
+          <a:xfrm>
+            <a:off x="4603284" y="5053868"/>
+            <a:ext cx="1492716" cy="369332"/>
+          </a:xfrm>
+          <a:prstGeom prst="rect">
+            <a:avLst/>
+          </a:prstGeom>
+          <a:noFill/>
+        </p:spPr>
+        <p:txBody>
+          <a:bodyPr wrap="none" rtlCol="0">
+            <a:spAutoFit/>
+          </a:bodyPr>
+          <a:lstStyle/>
+          <a:p>
+            <a:r>
+              <a:rPr lang="ko-KR" altLang="en-US"/>
+              <a:t>우리회사</a:t>
+            </a:r>
+            <a:r>
+              <a:rPr lang="en-US" altLang="ko-KR"/>
+              <a:t>(</a:t>
+            </a:r>
+            <a:r>
+              <a:rPr lang="ko-KR" altLang="en-US"/>
+              <a:t>주</a:t>
+            </a:r>
+            <a:r>
+              <a:rPr lang="en-US" altLang="ko-KR"/>
+              <a:t>)</a:t>
+            </a:r>
+            <a:endParaRPr lang="en-US" altLang="ko-KR" dirty="0"/>
+          </a:p>
+        </p:txBody>
+      </p:sp>
+      <p:sp>
+        <p:nvSpPr>
+          <p:cNvPr id="13" name="직사각형 12">
+            <a:extLst>
+              <a:ext uri="{FF2B5EF4-FFF2-40B4-BE49-F238E27FC236}">
+                <a16:creationId xmlns:a16="http://schemas.microsoft.com/office/drawing/2014/main" id="{DEBFB3DD-0958-4DD8-8991-13FBA4317735}"/>
+              </a:ext>
+            </a:extLst>
+          </p:cNvPr>
+          <p:cNvSpPr/>
+          <p:nvPr/>
+        </p:nvSpPr>
+        <p:spPr>
+          <a:xfrm>
+            <a:off x="4543070" y="3783763"/>
+            <a:ext cx="1427503" cy="495729"/>
+          </a:xfrm>
+          <a:prstGeom prst="rect">
+            <a:avLst/>
+          </a:prstGeom>
+        </p:spPr>
+        <p:style>
+          <a:lnRef idx="1">
+            <a:schemeClr val="accent3"/>
+          </a:lnRef>
+          <a:fillRef idx="2">
+            <a:schemeClr val="accent3"/>
+          </a:fillRef>
+          <a:effectRef idx="1">
+            <a:schemeClr val="accent3"/>
+          </a:effectRef>
+          <a:fontRef idx="minor">
+            <a:schemeClr val="dk1"/>
+          </a:fontRef>
+        </p:style>
+        <p:txBody>
+          <a:bodyPr rtlCol="0" anchor="ctr"/>
+          <a:lstStyle/>
+          <a:p>
+            <a:pPr algn="ctr"/>
+            <a:r>
+              <a:rPr lang="ko-KR" altLang="en-US" sz="1500"/>
+              <a:t>저장</a:t>
+            </a:r>
+            <a:endParaRPr lang="en-US" altLang="ko-KR" sz="1500"/>
+          </a:p>
+          <a:p>
+            <a:pPr algn="ctr"/>
+            <a:r>
+              <a:rPr lang="en-US" altLang="ko-KR" sz="1500"/>
+              <a:t>(DBMS)</a:t>
+            </a:r>
+            <a:endParaRPr lang="en-US" altLang="ko-KR" sz="1500" dirty="0"/>
+          </a:p>
+        </p:txBody>
+      </p:sp>
+      <p:sp>
+        <p:nvSpPr>
+          <p:cNvPr id="14" name="직사각형 13">
+            <a:extLst>
+              <a:ext uri="{FF2B5EF4-FFF2-40B4-BE49-F238E27FC236}">
+                <a16:creationId xmlns:a16="http://schemas.microsoft.com/office/drawing/2014/main" id="{7B7812DD-F444-4312-A918-6319D67426A8}"/>
+              </a:ext>
+            </a:extLst>
+          </p:cNvPr>
+          <p:cNvSpPr/>
+          <p:nvPr/>
+        </p:nvSpPr>
+        <p:spPr>
+          <a:xfrm>
+            <a:off x="4543069" y="4390657"/>
+            <a:ext cx="1427503" cy="495729"/>
+          </a:xfrm>
+          <a:prstGeom prst="rect">
+            <a:avLst/>
+          </a:prstGeom>
+        </p:spPr>
+        <p:style>
+          <a:lnRef idx="1">
+            <a:schemeClr val="accent3"/>
+          </a:lnRef>
+          <a:fillRef idx="2">
+            <a:schemeClr val="accent3"/>
+          </a:fillRef>
+          <a:effectRef idx="1">
+            <a:schemeClr val="accent3"/>
+          </a:effectRef>
+          <a:fontRef idx="minor">
+            <a:schemeClr val="dk1"/>
+          </a:fontRef>
+        </p:style>
+        <p:txBody>
+          <a:bodyPr rtlCol="0" anchor="ctr"/>
+          <a:lstStyle/>
+          <a:p>
+            <a:pPr algn="ctr"/>
+            <a:r>
+              <a:rPr lang="ko-KR" altLang="en-US" sz="1500"/>
+              <a:t>전달</a:t>
+            </a:r>
+            <a:endParaRPr lang="en-US" altLang="ko-KR" sz="1500"/>
+          </a:p>
+          <a:p>
+            <a:pPr algn="ctr"/>
+            <a:r>
+              <a:rPr lang="en-US" altLang="ko-KR" sz="1500"/>
+              <a:t>(</a:t>
+            </a:r>
+            <a:r>
+              <a:rPr lang="ko-KR" altLang="en-US" sz="1500"/>
+              <a:t>레거시</a:t>
+            </a:r>
+            <a:r>
+              <a:rPr lang="en-US" altLang="ko-KR" sz="1500"/>
+              <a:t>)</a:t>
+            </a:r>
+            <a:endParaRPr lang="en-US" altLang="ko-KR" sz="1500" dirty="0"/>
+          </a:p>
+        </p:txBody>
+      </p:sp>
+      <p:sp>
+        <p:nvSpPr>
+          <p:cNvPr id="15" name="TextBox 14">
+            <a:extLst>
+              <a:ext uri="{FF2B5EF4-FFF2-40B4-BE49-F238E27FC236}">
+                <a16:creationId xmlns:a16="http://schemas.microsoft.com/office/drawing/2014/main" id="{355FEB0C-0418-473E-96F3-692C7BA4A43B}"/>
+              </a:ext>
+            </a:extLst>
+          </p:cNvPr>
+          <p:cNvSpPr txBox="1"/>
+          <p:nvPr/>
+        </p:nvSpPr>
+        <p:spPr>
+          <a:xfrm>
+            <a:off x="7188014" y="5053868"/>
+            <a:ext cx="2544286" cy="369332"/>
+          </a:xfrm>
+          <a:prstGeom prst="rect">
+            <a:avLst/>
+          </a:prstGeom>
+          <a:noFill/>
+        </p:spPr>
+        <p:txBody>
+          <a:bodyPr wrap="none" rtlCol="0">
+            <a:spAutoFit/>
+          </a:bodyPr>
+          <a:lstStyle/>
+          <a:p>
+            <a:r>
+              <a:rPr lang="ko-KR" altLang="en-US"/>
+              <a:t>우리회사</a:t>
+            </a:r>
+            <a:r>
+              <a:rPr lang="en-US" altLang="ko-KR"/>
+              <a:t>&amp;#40;</a:t>
+            </a:r>
+            <a:r>
+              <a:rPr lang="ko-KR" altLang="en-US"/>
+              <a:t>주</a:t>
+            </a:r>
+            <a:r>
+              <a:rPr lang="en-US" altLang="ko-KR"/>
+              <a:t>&amp;#41;</a:t>
+            </a:r>
+          </a:p>
+        </p:txBody>
+      </p:sp>
+    </p:spTree>
+    <p:extLst>
+      <p:ext uri="{BB962C8B-B14F-4D97-AF65-F5344CB8AC3E}">
+        <p14:creationId xmlns:p14="http://schemas.microsoft.com/office/powerpoint/2010/main" val="2959567940"/>
+      </p:ext>
+    </p:extLst>
+  </p:cSld>
+  <p:clrMapOvr>
+    <a:masterClrMapping/>
+  </p:clrMapOvr>
+  <mc:AlternateContent xmlns:mc="http://schemas.openxmlformats.org/markup-compatibility/2006" xmlns:p14="http://schemas.microsoft.com/office/powerpoint/2010/main">
+    <mc:Choice Requires="p14">
+      <p:transition spd="med" p14:dur="700">
+        <p:fade/>
+      </p:transition>
+    </mc:Choice>
+    <mc:Fallback xmlns="">
+      <p:transition spd="med">
+        <p:fade/>
+      </p:transition>
+    </mc:Fallback>
+  </mc:AlternateContent>
+</p:sld>
+</file>
+
+<file path=ppt/slides/slide5.xml><?xml version="1.0" encoding="utf-8"?>
+<p:sld xmlns:a="http://schemas.openxmlformats.org/drawingml/2006/main" xmlns:r="http://schemas.openxmlformats.org/officeDocument/2006/relationships" xmlns:p="http://schemas.openxmlformats.org/presentationml/2006/main">
+  <p:cSld>
+    <p:spTree>
+      <p:nvGrpSpPr>
+        <p:cNvPr id="1" name=""/>
+        <p:cNvGrpSpPr/>
+        <p:nvPr/>
+      </p:nvGrpSpPr>
+      <p:grpSpPr>
+        <a:xfrm>
+          <a:off x="0" y="0"/>
+          <a:ext cx="0" cy="0"/>
+          <a:chOff x="0" y="0"/>
+          <a:chExt cx="0" cy="0"/>
+        </a:xfrm>
+      </p:grpSpPr>
+      <p:sp>
+        <p:nvSpPr>
+          <p:cNvPr id="2" name="제목 1">
+            <a:extLst>
+              <a:ext uri="{FF2B5EF4-FFF2-40B4-BE49-F238E27FC236}">
+                <a16:creationId xmlns:a16="http://schemas.microsoft.com/office/drawing/2014/main" id="{28D78D5F-E582-4987-91DF-9C7C5BEBD4EB}"/>
+              </a:ext>
+            </a:extLst>
+          </p:cNvPr>
+          <p:cNvSpPr>
+            <a:spLocks noGrp="1"/>
+          </p:cNvSpPr>
+          <p:nvPr>
+            <p:ph type="title"/>
+          </p:nvPr>
+        </p:nvSpPr>
+        <p:spPr/>
+        <p:txBody>
+          <a:bodyPr/>
+          <a:lstStyle/>
+          <a:p>
+            <a:r>
+              <a:rPr lang="en-US" altLang="ko-KR"/>
+              <a:t>XSS </a:t>
+            </a:r>
+            <a:r>
+              <a:rPr lang="ko-KR" altLang="en-US"/>
+              <a:t>공격을 방어합니다</a:t>
+            </a:r>
+            <a:r>
+              <a:rPr lang="en-US" altLang="ko-KR"/>
+              <a:t>.</a:t>
+            </a:r>
+            <a:endParaRPr lang="ko-KR" altLang="en-US" dirty="0"/>
+          </a:p>
+        </p:txBody>
+      </p:sp>
+      <p:sp>
+        <p:nvSpPr>
+          <p:cNvPr id="3" name="내용 개체 틀 2">
+            <a:extLst>
+              <a:ext uri="{FF2B5EF4-FFF2-40B4-BE49-F238E27FC236}">
+                <a16:creationId xmlns:a16="http://schemas.microsoft.com/office/drawing/2014/main" id="{DFA47AE3-6532-4E43-9E16-6D279FF62F6D}"/>
+              </a:ext>
+            </a:extLst>
+          </p:cNvPr>
+          <p:cNvSpPr>
+            <a:spLocks noGrp="1"/>
+          </p:cNvSpPr>
+          <p:nvPr>
+            <p:ph idx="1"/>
+          </p:nvPr>
+        </p:nvSpPr>
+        <p:spPr/>
+        <p:txBody>
+          <a:bodyPr/>
+          <a:lstStyle/>
+          <a:p>
+            <a:r>
+              <a:rPr lang="ko-KR" altLang="en-US"/>
               <a:t>모든 서비스 로직이 수행한</a:t>
             </a:r>
             <a:r>
@@ -16169,7 +17186,15 @@
             <a:pPr lvl="1"/>
             <a:r>
               <a:rPr lang="ko-KR" altLang="en-US"/>
-              <a:t>문자열 치환비용을 줄이기 위해 재사용</a:t>
+              <a:t>문자열 변환은 비용이 큰 작업</a:t>
+            </a:r>
+            <a:endParaRPr lang="en-US" altLang="ko-KR"/>
+          </a:p>
+          <a:p>
+            <a:pPr lvl="1"/>
+            <a:r>
+              <a:rPr lang="ko-KR" altLang="en-US"/>
+              <a:t>치환된 문자열 재사용 기능 구현</a:t>
             </a:r>
             <a:endParaRPr lang="en-US" altLang="ko-KR"/>
           </a:p>
@@ -16256,7 +17281,7 @@
         </p:blipFill>
         <p:spPr>
           <a:xfrm>
-            <a:off x="1913941" y="4848093"/>
+            <a:off x="1661493" y="4338295"/>
             <a:ext cx="4182059" cy="943107"/>
           </a:xfrm>
           <a:prstGeom prst="rect">

--- a/inflearn02/doc/2.(심화)XSS 공격을 방어합니다.pptx
+++ b/inflearn02/doc/2.(심화)XSS 공격을 방어합니다.pptx
@@ -5,17 +5,18 @@
     <p:sldMasterId id="2147483648" r:id="rId1"/>
   </p:sldMasterIdLst>
   <p:notesMasterIdLst>
-    <p:notesMasterId r:id="rId7"/>
+    <p:notesMasterId r:id="rId8"/>
   </p:notesMasterIdLst>
   <p:handoutMasterIdLst>
-    <p:handoutMasterId r:id="rId8"/>
+    <p:handoutMasterId r:id="rId9"/>
   </p:handoutMasterIdLst>
   <p:sldIdLst>
     <p:sldId id="308" r:id="rId2"/>
     <p:sldId id="320" r:id="rId3"/>
     <p:sldId id="318" r:id="rId4"/>
-    <p:sldId id="321" r:id="rId5"/>
-    <p:sldId id="319" r:id="rId6"/>
+    <p:sldId id="322" r:id="rId5"/>
+    <p:sldId id="321" r:id="rId6"/>
+    <p:sldId id="319" r:id="rId7"/>
   </p:sldIdLst>
   <p:sldSz cx="12192000" cy="6858000"/>
   <p:notesSz cx="6858000" cy="9144000"/>
@@ -226,7 +227,7 @@
                 <a:latin typeface="맑은 고딕" panose="020B0503020000020004" pitchFamily="50" charset="-127"/>
                 <a:ea typeface="맑은 고딕" panose="020B0503020000020004" pitchFamily="50" charset="-127"/>
               </a:rPr>
-              <a:t>2021년 7월 2일</a:t>
+              <a:t>2021년 7월 3일</a:t>
             </a:fld>
             <a:endParaRPr lang="ko-KR" altLang="en-US">
               <a:latin typeface="맑은 고딕" panose="020B0503020000020004" pitchFamily="50" charset="-127"/>
@@ -412,7 +413,7 @@
             <a:fld id="{BE16EC8A-0758-4FA9-BF4D-3119057076D1}" type="datetime4">
               <a:rPr lang="ko-KR" altLang="en-US" smtClean="0"/>
               <a:pPr/>
-              <a:t>2021년 7월 2일</a:t>
+              <a:t>2021년 7월 3일</a:t>
             </a:fld>
             <a:endParaRPr lang="ko-KR" altLang="en-US"/>
           </a:p>
@@ -2894,7 +2895,7 @@
           <a:p>
             <a:fld id="{2A5B65E4-62A8-4988-B07B-5D6D443B14ED}" type="datetime4">
               <a:rPr lang="ko-KR" altLang="en-US" smtClean="0"/>
-              <a:t>2021년 7월 2일</a:t>
+              <a:t>2021년 7월 3일</a:t>
             </a:fld>
             <a:endParaRPr lang="ko-KR" altLang="en-US"/>
           </a:p>
@@ -3150,7 +3151,7 @@
           <a:p>
             <a:fld id="{58EB6286-0DE7-4336-9826-977AD102FCF2}" type="datetime4">
               <a:rPr lang="ko-KR" altLang="en-US" noProof="0" smtClean="0"/>
-              <a:t>2021년 7월 2일</a:t>
+              <a:t>2021년 7월 3일</a:t>
             </a:fld>
             <a:endParaRPr lang="ko-KR" altLang="en-US" noProof="0"/>
           </a:p>
@@ -3346,7 +3347,7 @@
             <a:pPr rtl="0"/>
             <a:fld id="{6A5419DA-7218-42E5-A443-F000500111E1}" type="datetime4">
               <a:rPr lang="ko-KR" altLang="en-US" noProof="0" smtClean="0"/>
-              <a:t>2021년 7월 2일</a:t>
+              <a:t>2021년 7월 3일</a:t>
             </a:fld>
             <a:endParaRPr lang="ko-KR" altLang="en-US" noProof="0"/>
           </a:p>
@@ -5747,7 +5748,7 @@
           <a:p>
             <a:fld id="{E498C52F-1DF1-4226-BAB6-C1E2EE4C9D62}" type="datetime4">
               <a:rPr lang="ko-KR" altLang="en-US" noProof="0" smtClean="0"/>
-              <a:t>2021년 7월 2일</a:t>
+              <a:t>2021년 7월 3일</a:t>
             </a:fld>
             <a:endParaRPr lang="ko-KR" altLang="en-US" noProof="0"/>
           </a:p>
@@ -6266,7 +6267,7 @@
           <a:p>
             <a:fld id="{7B1E1FFC-F755-4558-8D3C-A157D1A01A8A}" type="datetime4">
               <a:rPr lang="ko-KR" altLang="en-US" noProof="0" smtClean="0"/>
-              <a:t>2021년 7월 2일</a:t>
+              <a:t>2021년 7월 3일</a:t>
             </a:fld>
             <a:endParaRPr lang="ko-KR" altLang="en-US" noProof="0"/>
           </a:p>
@@ -6410,7 +6411,7 @@
             <a:pPr rtl="0"/>
             <a:fld id="{DA2A33C0-A4A8-4C90-B6DA-35B8CF58C816}" type="datetime4">
               <a:rPr lang="ko-KR" altLang="en-US" noProof="0" smtClean="0"/>
-              <a:t>2021년 7월 2일</a:t>
+              <a:t>2021년 7월 3일</a:t>
             </a:fld>
             <a:endParaRPr lang="ko-KR" altLang="en-US" noProof="0"/>
           </a:p>
@@ -8358,7 +8359,7 @@
           <a:p>
             <a:fld id="{53CB1B8F-A14A-4BE4-A9B9-3B263F04145C}" type="datetime4">
               <a:rPr lang="ko-KR" altLang="en-US" noProof="0" smtClean="0"/>
-              <a:t>2021년 7월 2일</a:t>
+              <a:t>2021년 7월 3일</a:t>
             </a:fld>
             <a:endParaRPr lang="ko-KR" altLang="en-US" noProof="0"/>
           </a:p>
@@ -10655,7 +10656,7 @@
           <a:p>
             <a:fld id="{5B9196A3-957C-4113-A568-B6ED9AEA3D01}" type="datetime4">
               <a:rPr lang="ko-KR" altLang="en-US" noProof="0" smtClean="0"/>
-              <a:t>2021년 7월 2일</a:t>
+              <a:t>2021년 7월 3일</a:t>
             </a:fld>
             <a:endParaRPr lang="ko-KR" altLang="en-US" noProof="0"/>
           </a:p>
@@ -14972,7 +14973,7 @@
           <a:p>
             <a:fld id="{28BEB146-D335-4DA5-9826-58595BCDBE2E}" type="datetime4">
               <a:rPr lang="ko-KR" altLang="en-US" noProof="0" smtClean="0"/>
-              <a:t>2021년 7월 2일</a:t>
+              <a:t>2021년 7월 3일</a:t>
             </a:fld>
             <a:endParaRPr lang="ko-KR" altLang="en-US" noProof="0"/>
           </a:p>
@@ -16525,7 +16526,7 @@
           <a:p>
             <a:r>
               <a:rPr lang="ko-KR" altLang="en-US"/>
-              <a:t>출력시점</a:t>
+              <a:t>전처리 </a:t>
             </a:r>
             <a:r>
               <a:rPr lang="en-US" altLang="ko-KR"/>
@@ -16533,55 +16534,23 @@
             </a:r>
             <a:r>
               <a:rPr lang="ko-KR" altLang="en-US"/>
-              <a:t>자바스크립트</a:t>
+              <a:t>필터</a:t>
             </a:r>
             <a:r>
               <a:rPr lang="en-US" altLang="ko-KR"/>
-              <a:t>, CSS,</a:t>
+              <a:t>, </a:t>
             </a:r>
             <a:r>
               <a:rPr lang="ko-KR" altLang="en-US"/>
-              <a:t> </a:t>
+              <a:t>안티디도스</a:t>
             </a:r>
             <a:r>
               <a:rPr lang="en-US" altLang="ko-KR"/>
-              <a:t>XML</a:t>
-            </a:r>
-            <a:r>
-              <a:rPr lang="ko-KR" altLang="en-US"/>
-              <a:t> 등</a:t>
-            </a:r>
-            <a:r>
-              <a:rPr lang="en-US" altLang="ko-KR"/>
-              <a:t>)</a:t>
+              <a:t>, IPS/IDS)</a:t>
             </a:r>
           </a:p>
           <a:p>
             <a:pPr lvl="1"/>
-            <a:r>
-              <a:rPr lang="ko-KR" altLang="en-US">
-                <a:solidFill>
-                  <a:srgbClr val="FF0000"/>
-                </a:solidFill>
-              </a:rPr>
-              <a:t>올바른 데이터 사용과</a:t>
-            </a:r>
-            <a:r>
-              <a:rPr lang="en-US" altLang="ko-KR">
-                <a:solidFill>
-                  <a:srgbClr val="FF0000"/>
-                </a:solidFill>
-              </a:rPr>
-              <a:t> </a:t>
-            </a:r>
-            <a:r>
-              <a:rPr lang="ko-KR" altLang="en-US">
-                <a:solidFill>
-                  <a:srgbClr val="FF0000"/>
-                </a:solidFill>
-              </a:rPr>
-              <a:t>동시에 </a:t>
-            </a:r>
             <a:r>
               <a:rPr lang="en-US" altLang="ko-KR">
                 <a:solidFill>
@@ -16596,7 +16565,7 @@
                   <a:srgbClr val="FF0000"/>
                 </a:solidFill>
               </a:rPr>
-              <a:t>방어</a:t>
+              <a:t>는 방어 했지만 올바른 데이터 사용이 불가능</a:t>
             </a:r>
             <a:endParaRPr lang="en-US" altLang="ko-KR">
               <a:solidFill>
@@ -16852,6 +16821,657 @@
         </p:nvSpPr>
         <p:spPr>
           <a:xfrm>
+            <a:off x="4017285" y="5053868"/>
+            <a:ext cx="2544286" cy="369332"/>
+          </a:xfrm>
+          <a:prstGeom prst="rect">
+            <a:avLst/>
+          </a:prstGeom>
+          <a:noFill/>
+        </p:spPr>
+        <p:txBody>
+          <a:bodyPr wrap="none" rtlCol="0">
+            <a:spAutoFit/>
+          </a:bodyPr>
+          <a:lstStyle/>
+          <a:p>
+            <a:r>
+              <a:rPr lang="ko-KR" altLang="en-US"/>
+              <a:t>우리회사</a:t>
+            </a:r>
+            <a:r>
+              <a:rPr lang="en-US" altLang="ko-KR"/>
+              <a:t>&amp;#40;</a:t>
+            </a:r>
+            <a:r>
+              <a:rPr lang="ko-KR" altLang="en-US"/>
+              <a:t>주</a:t>
+            </a:r>
+            <a:r>
+              <a:rPr lang="en-US" altLang="ko-KR"/>
+              <a:t>&amp;#41;</a:t>
+            </a:r>
+          </a:p>
+        </p:txBody>
+      </p:sp>
+      <p:sp>
+        <p:nvSpPr>
+          <p:cNvPr id="13" name="직사각형 12">
+            <a:extLst>
+              <a:ext uri="{FF2B5EF4-FFF2-40B4-BE49-F238E27FC236}">
+                <a16:creationId xmlns:a16="http://schemas.microsoft.com/office/drawing/2014/main" id="{DEBFB3DD-0958-4DD8-8991-13FBA4317735}"/>
+              </a:ext>
+            </a:extLst>
+          </p:cNvPr>
+          <p:cNvSpPr/>
+          <p:nvPr/>
+        </p:nvSpPr>
+        <p:spPr>
+          <a:xfrm>
+            <a:off x="4543070" y="3783763"/>
+            <a:ext cx="1427503" cy="495729"/>
+          </a:xfrm>
+          <a:prstGeom prst="rect">
+            <a:avLst/>
+          </a:prstGeom>
+        </p:spPr>
+        <p:style>
+          <a:lnRef idx="1">
+            <a:schemeClr val="accent3"/>
+          </a:lnRef>
+          <a:fillRef idx="2">
+            <a:schemeClr val="accent3"/>
+          </a:fillRef>
+          <a:effectRef idx="1">
+            <a:schemeClr val="accent3"/>
+          </a:effectRef>
+          <a:fontRef idx="minor">
+            <a:schemeClr val="dk1"/>
+          </a:fontRef>
+        </p:style>
+        <p:txBody>
+          <a:bodyPr rtlCol="0" anchor="ctr"/>
+          <a:lstStyle/>
+          <a:p>
+            <a:pPr algn="ctr"/>
+            <a:r>
+              <a:rPr lang="ko-KR" altLang="en-US" sz="1500"/>
+              <a:t>저장</a:t>
+            </a:r>
+            <a:endParaRPr lang="en-US" altLang="ko-KR" sz="1500"/>
+          </a:p>
+          <a:p>
+            <a:pPr algn="ctr"/>
+            <a:r>
+              <a:rPr lang="en-US" altLang="ko-KR" sz="1500"/>
+              <a:t>(DBMS)</a:t>
+            </a:r>
+            <a:endParaRPr lang="en-US" altLang="ko-KR" sz="1500" dirty="0"/>
+          </a:p>
+        </p:txBody>
+      </p:sp>
+      <p:sp>
+        <p:nvSpPr>
+          <p:cNvPr id="14" name="직사각형 13">
+            <a:extLst>
+              <a:ext uri="{FF2B5EF4-FFF2-40B4-BE49-F238E27FC236}">
+                <a16:creationId xmlns:a16="http://schemas.microsoft.com/office/drawing/2014/main" id="{7B7812DD-F444-4312-A918-6319D67426A8}"/>
+              </a:ext>
+            </a:extLst>
+          </p:cNvPr>
+          <p:cNvSpPr/>
+          <p:nvPr/>
+        </p:nvSpPr>
+        <p:spPr>
+          <a:xfrm>
+            <a:off x="4543069" y="4390657"/>
+            <a:ext cx="1427503" cy="495729"/>
+          </a:xfrm>
+          <a:prstGeom prst="rect">
+            <a:avLst/>
+          </a:prstGeom>
+        </p:spPr>
+        <p:style>
+          <a:lnRef idx="1">
+            <a:schemeClr val="accent3"/>
+          </a:lnRef>
+          <a:fillRef idx="2">
+            <a:schemeClr val="accent3"/>
+          </a:fillRef>
+          <a:effectRef idx="1">
+            <a:schemeClr val="accent3"/>
+          </a:effectRef>
+          <a:fontRef idx="minor">
+            <a:schemeClr val="dk1"/>
+          </a:fontRef>
+        </p:style>
+        <p:txBody>
+          <a:bodyPr rtlCol="0" anchor="ctr"/>
+          <a:lstStyle/>
+          <a:p>
+            <a:pPr algn="ctr"/>
+            <a:r>
+              <a:rPr lang="ko-KR" altLang="en-US" sz="1500"/>
+              <a:t>전달</a:t>
+            </a:r>
+            <a:endParaRPr lang="en-US" altLang="ko-KR" sz="1500"/>
+          </a:p>
+          <a:p>
+            <a:pPr algn="ctr"/>
+            <a:r>
+              <a:rPr lang="en-US" altLang="ko-KR" sz="1500"/>
+              <a:t>(</a:t>
+            </a:r>
+            <a:r>
+              <a:rPr lang="ko-KR" altLang="en-US" sz="1500"/>
+              <a:t>레거시</a:t>
+            </a:r>
+            <a:r>
+              <a:rPr lang="en-US" altLang="ko-KR" sz="1500"/>
+              <a:t>)</a:t>
+            </a:r>
+            <a:endParaRPr lang="en-US" altLang="ko-KR" sz="1500" dirty="0"/>
+          </a:p>
+        </p:txBody>
+      </p:sp>
+      <p:sp>
+        <p:nvSpPr>
+          <p:cNvPr id="15" name="TextBox 14">
+            <a:extLst>
+              <a:ext uri="{FF2B5EF4-FFF2-40B4-BE49-F238E27FC236}">
+                <a16:creationId xmlns:a16="http://schemas.microsoft.com/office/drawing/2014/main" id="{355FEB0C-0418-473E-96F3-692C7BA4A43B}"/>
+              </a:ext>
+            </a:extLst>
+          </p:cNvPr>
+          <p:cNvSpPr txBox="1"/>
+          <p:nvPr/>
+        </p:nvSpPr>
+        <p:spPr>
+          <a:xfrm>
+            <a:off x="7188014" y="5053868"/>
+            <a:ext cx="2544286" cy="369332"/>
+          </a:xfrm>
+          <a:prstGeom prst="rect">
+            <a:avLst/>
+          </a:prstGeom>
+          <a:noFill/>
+        </p:spPr>
+        <p:txBody>
+          <a:bodyPr wrap="none" rtlCol="0">
+            <a:spAutoFit/>
+          </a:bodyPr>
+          <a:lstStyle/>
+          <a:p>
+            <a:r>
+              <a:rPr lang="ko-KR" altLang="en-US"/>
+              <a:t>우리회사</a:t>
+            </a:r>
+            <a:r>
+              <a:rPr lang="en-US" altLang="ko-KR"/>
+              <a:t>&amp;#40;</a:t>
+            </a:r>
+            <a:r>
+              <a:rPr lang="ko-KR" altLang="en-US"/>
+              <a:t>주</a:t>
+            </a:r>
+            <a:r>
+              <a:rPr lang="en-US" altLang="ko-KR"/>
+              <a:t>&amp;#41;</a:t>
+            </a:r>
+          </a:p>
+        </p:txBody>
+      </p:sp>
+      <p:pic>
+        <p:nvPicPr>
+          <p:cNvPr id="5" name="그림 4">
+            <a:extLst>
+              <a:ext uri="{FF2B5EF4-FFF2-40B4-BE49-F238E27FC236}">
+                <a16:creationId xmlns:a16="http://schemas.microsoft.com/office/drawing/2014/main" id="{8C13B77D-5756-4981-BBB8-853BB4EBE765}"/>
+              </a:ext>
+            </a:extLst>
+          </p:cNvPr>
+          <p:cNvPicPr>
+            <a:picLocks noChangeAspect="1"/>
+          </p:cNvPicPr>
+          <p:nvPr/>
+        </p:nvPicPr>
+        <p:blipFill>
+          <a:blip r:embed="rId2"/>
+          <a:stretch>
+            <a:fillRect/>
+          </a:stretch>
+        </p:blipFill>
+        <p:spPr>
+          <a:xfrm>
+            <a:off x="8121297" y="992746"/>
+            <a:ext cx="3035788" cy="1588422"/>
+          </a:xfrm>
+          <a:prstGeom prst="rect">
+            <a:avLst/>
+          </a:prstGeom>
+        </p:spPr>
+      </p:pic>
+    </p:spTree>
+    <p:extLst>
+      <p:ext uri="{BB962C8B-B14F-4D97-AF65-F5344CB8AC3E}">
+        <p14:creationId xmlns:p14="http://schemas.microsoft.com/office/powerpoint/2010/main" val="3142521676"/>
+      </p:ext>
+    </p:extLst>
+  </p:cSld>
+  <p:clrMapOvr>
+    <a:masterClrMapping/>
+  </p:clrMapOvr>
+  <mc:AlternateContent xmlns:mc="http://schemas.openxmlformats.org/markup-compatibility/2006" xmlns:p14="http://schemas.microsoft.com/office/powerpoint/2010/main">
+    <mc:Choice Requires="p14">
+      <p:transition spd="med" p14:dur="700">
+        <p:fade/>
+      </p:transition>
+    </mc:Choice>
+    <mc:Fallback xmlns="">
+      <p:transition spd="med">
+        <p:fade/>
+      </p:transition>
+    </mc:Fallback>
+  </mc:AlternateContent>
+</p:sld>
+</file>
+
+<file path=ppt/slides/slide5.xml><?xml version="1.0" encoding="utf-8"?>
+<p:sld xmlns:a="http://schemas.openxmlformats.org/drawingml/2006/main" xmlns:r="http://schemas.openxmlformats.org/officeDocument/2006/relationships" xmlns:p="http://schemas.openxmlformats.org/presentationml/2006/main">
+  <p:cSld>
+    <p:spTree>
+      <p:nvGrpSpPr>
+        <p:cNvPr id="1" name=""/>
+        <p:cNvGrpSpPr/>
+        <p:nvPr/>
+      </p:nvGrpSpPr>
+      <p:grpSpPr>
+        <a:xfrm>
+          <a:off x="0" y="0"/>
+          <a:ext cx="0" cy="0"/>
+          <a:chOff x="0" y="0"/>
+          <a:chExt cx="0" cy="0"/>
+        </a:xfrm>
+      </p:grpSpPr>
+      <p:sp>
+        <p:nvSpPr>
+          <p:cNvPr id="2" name="제목 1">
+            <a:extLst>
+              <a:ext uri="{FF2B5EF4-FFF2-40B4-BE49-F238E27FC236}">
+                <a16:creationId xmlns:a16="http://schemas.microsoft.com/office/drawing/2014/main" id="{28D78D5F-E582-4987-91DF-9C7C5BEBD4EB}"/>
+              </a:ext>
+            </a:extLst>
+          </p:cNvPr>
+          <p:cNvSpPr>
+            <a:spLocks noGrp="1"/>
+          </p:cNvSpPr>
+          <p:nvPr>
+            <p:ph type="title"/>
+          </p:nvPr>
+        </p:nvSpPr>
+        <p:spPr/>
+        <p:txBody>
+          <a:bodyPr/>
+          <a:lstStyle/>
+          <a:p>
+            <a:r>
+              <a:rPr lang="ko-KR" altLang="en-US"/>
+              <a:t>입력값을 치환해야 하는 곳</a:t>
+            </a:r>
+            <a:endParaRPr lang="ko-KR" altLang="en-US" dirty="0"/>
+          </a:p>
+        </p:txBody>
+      </p:sp>
+      <p:sp>
+        <p:nvSpPr>
+          <p:cNvPr id="3" name="내용 개체 틀 2">
+            <a:extLst>
+              <a:ext uri="{FF2B5EF4-FFF2-40B4-BE49-F238E27FC236}">
+                <a16:creationId xmlns:a16="http://schemas.microsoft.com/office/drawing/2014/main" id="{DFA47AE3-6532-4E43-9E16-6D279FF62F6D}"/>
+              </a:ext>
+            </a:extLst>
+          </p:cNvPr>
+          <p:cNvSpPr>
+            <a:spLocks noGrp="1"/>
+          </p:cNvSpPr>
+          <p:nvPr>
+            <p:ph idx="1"/>
+          </p:nvPr>
+        </p:nvSpPr>
+        <p:spPr/>
+        <p:txBody>
+          <a:bodyPr/>
+          <a:lstStyle/>
+          <a:p>
+            <a:r>
+              <a:rPr lang="ko-KR" altLang="en-US"/>
+              <a:t>출력시점</a:t>
+            </a:r>
+            <a:r>
+              <a:rPr lang="en-US" altLang="ko-KR"/>
+              <a:t>(</a:t>
+            </a:r>
+            <a:r>
+              <a:rPr lang="ko-KR" altLang="en-US"/>
+              <a:t>자바스크립트</a:t>
+            </a:r>
+            <a:r>
+              <a:rPr lang="en-US" altLang="ko-KR"/>
+              <a:t>, CSS,</a:t>
+            </a:r>
+            <a:r>
+              <a:rPr lang="ko-KR" altLang="en-US"/>
+              <a:t> </a:t>
+            </a:r>
+            <a:r>
+              <a:rPr lang="en-US" altLang="ko-KR"/>
+              <a:t>XML</a:t>
+            </a:r>
+            <a:r>
+              <a:rPr lang="ko-KR" altLang="en-US"/>
+              <a:t> 등</a:t>
+            </a:r>
+            <a:r>
+              <a:rPr lang="en-US" altLang="ko-KR"/>
+              <a:t>)</a:t>
+            </a:r>
+          </a:p>
+          <a:p>
+            <a:pPr lvl="1"/>
+            <a:r>
+              <a:rPr lang="ko-KR" altLang="en-US">
+                <a:solidFill>
+                  <a:srgbClr val="FF0000"/>
+                </a:solidFill>
+              </a:rPr>
+              <a:t>올바른 데이터 사용과</a:t>
+            </a:r>
+            <a:r>
+              <a:rPr lang="en-US" altLang="ko-KR">
+                <a:solidFill>
+                  <a:srgbClr val="FF0000"/>
+                </a:solidFill>
+              </a:rPr>
+              <a:t> </a:t>
+            </a:r>
+            <a:r>
+              <a:rPr lang="ko-KR" altLang="en-US">
+                <a:solidFill>
+                  <a:srgbClr val="FF0000"/>
+                </a:solidFill>
+              </a:rPr>
+              <a:t>동시에 </a:t>
+            </a:r>
+            <a:r>
+              <a:rPr lang="en-US" altLang="ko-KR">
+                <a:solidFill>
+                  <a:srgbClr val="FF0000"/>
+                </a:solidFill>
+              </a:rPr>
+              <a:t>XSS </a:t>
+            </a:r>
+            <a:r>
+              <a:rPr lang="ko-KR" altLang="en-US">
+                <a:solidFill>
+                  <a:srgbClr val="FF0000"/>
+                </a:solidFill>
+              </a:rPr>
+              <a:t>방어</a:t>
+            </a:r>
+            <a:endParaRPr lang="en-US" altLang="ko-KR">
+              <a:solidFill>
+                <a:srgbClr val="FF0000"/>
+              </a:solidFill>
+            </a:endParaRPr>
+          </a:p>
+        </p:txBody>
+      </p:sp>
+      <p:sp>
+        <p:nvSpPr>
+          <p:cNvPr id="8" name="직사각형 7">
+            <a:extLst>
+              <a:ext uri="{FF2B5EF4-FFF2-40B4-BE49-F238E27FC236}">
+                <a16:creationId xmlns:a16="http://schemas.microsoft.com/office/drawing/2014/main" id="{95301C8B-B1B4-411A-BA85-59EFD39ABD2C}"/>
+              </a:ext>
+            </a:extLst>
+          </p:cNvPr>
+          <p:cNvSpPr/>
+          <p:nvPr/>
+        </p:nvSpPr>
+        <p:spPr>
+          <a:xfrm>
+            <a:off x="1493721" y="3181135"/>
+            <a:ext cx="1427503" cy="495729"/>
+          </a:xfrm>
+          <a:prstGeom prst="rect">
+            <a:avLst/>
+          </a:prstGeom>
+        </p:spPr>
+        <p:style>
+          <a:lnRef idx="1">
+            <a:schemeClr val="accent3"/>
+          </a:lnRef>
+          <a:fillRef idx="2">
+            <a:schemeClr val="accent3"/>
+          </a:fillRef>
+          <a:effectRef idx="1">
+            <a:schemeClr val="accent3"/>
+          </a:effectRef>
+          <a:fontRef idx="minor">
+            <a:schemeClr val="dk1"/>
+          </a:fontRef>
+        </p:style>
+        <p:txBody>
+          <a:bodyPr rtlCol="0" anchor="ctr"/>
+          <a:lstStyle/>
+          <a:p>
+            <a:pPr algn="ctr"/>
+            <a:r>
+              <a:rPr lang="ko-KR" altLang="en-US" sz="1500"/>
+              <a:t>입력</a:t>
+            </a:r>
+            <a:endParaRPr lang="en-US" altLang="ko-KR" sz="1500"/>
+          </a:p>
+          <a:p>
+            <a:pPr algn="ctr"/>
+            <a:r>
+              <a:rPr lang="en-US" altLang="ko-KR" sz="1500"/>
+              <a:t>(</a:t>
+            </a:r>
+            <a:r>
+              <a:rPr lang="ko-KR" altLang="en-US" sz="1500"/>
+              <a:t>브라우저</a:t>
+            </a:r>
+            <a:r>
+              <a:rPr lang="en-US" altLang="ko-KR" sz="1500"/>
+              <a:t>)</a:t>
+            </a:r>
+            <a:endParaRPr lang="en-US" altLang="ko-KR" sz="1500" dirty="0"/>
+          </a:p>
+        </p:txBody>
+      </p:sp>
+      <p:sp>
+        <p:nvSpPr>
+          <p:cNvPr id="16" name="직사각형 15">
+            <a:extLst>
+              <a:ext uri="{FF2B5EF4-FFF2-40B4-BE49-F238E27FC236}">
+                <a16:creationId xmlns:a16="http://schemas.microsoft.com/office/drawing/2014/main" id="{F36E4822-B48B-440F-B6BE-51F4C0B76E3F}"/>
+              </a:ext>
+            </a:extLst>
+          </p:cNvPr>
+          <p:cNvSpPr/>
+          <p:nvPr/>
+        </p:nvSpPr>
+        <p:spPr>
+          <a:xfrm>
+            <a:off x="4543070" y="3181135"/>
+            <a:ext cx="1427503" cy="495729"/>
+          </a:xfrm>
+          <a:prstGeom prst="rect">
+            <a:avLst/>
+          </a:prstGeom>
+        </p:spPr>
+        <p:style>
+          <a:lnRef idx="1">
+            <a:schemeClr val="accent3"/>
+          </a:lnRef>
+          <a:fillRef idx="2">
+            <a:schemeClr val="accent3"/>
+          </a:fillRef>
+          <a:effectRef idx="1">
+            <a:schemeClr val="accent3"/>
+          </a:effectRef>
+          <a:fontRef idx="minor">
+            <a:schemeClr val="dk1"/>
+          </a:fontRef>
+        </p:style>
+        <p:txBody>
+          <a:bodyPr rtlCol="0" anchor="ctr"/>
+          <a:lstStyle/>
+          <a:p>
+            <a:pPr algn="ctr"/>
+            <a:r>
+              <a:rPr lang="ko-KR" altLang="en-US" sz="1500"/>
+              <a:t>사용</a:t>
+            </a:r>
+            <a:endParaRPr lang="en-US" altLang="ko-KR" sz="1500"/>
+          </a:p>
+          <a:p>
+            <a:pPr algn="ctr"/>
+            <a:r>
+              <a:rPr lang="en-US" altLang="ko-KR" sz="1500"/>
+              <a:t>(WAS)</a:t>
+            </a:r>
+            <a:endParaRPr lang="en-US" altLang="ko-KR" sz="1500" dirty="0"/>
+          </a:p>
+        </p:txBody>
+      </p:sp>
+      <p:sp>
+        <p:nvSpPr>
+          <p:cNvPr id="17" name="직사각형 16">
+            <a:extLst>
+              <a:ext uri="{FF2B5EF4-FFF2-40B4-BE49-F238E27FC236}">
+                <a16:creationId xmlns:a16="http://schemas.microsoft.com/office/drawing/2014/main" id="{1124340D-3D66-4FD4-BBC6-FA254AAE8156}"/>
+              </a:ext>
+            </a:extLst>
+          </p:cNvPr>
+          <p:cNvSpPr/>
+          <p:nvPr/>
+        </p:nvSpPr>
+        <p:spPr>
+          <a:xfrm>
+            <a:off x="7592419" y="3181134"/>
+            <a:ext cx="1427503" cy="495729"/>
+          </a:xfrm>
+          <a:prstGeom prst="rect">
+            <a:avLst/>
+          </a:prstGeom>
+        </p:spPr>
+        <p:style>
+          <a:lnRef idx="1">
+            <a:schemeClr val="accent3"/>
+          </a:lnRef>
+          <a:fillRef idx="2">
+            <a:schemeClr val="accent3"/>
+          </a:fillRef>
+          <a:effectRef idx="1">
+            <a:schemeClr val="accent3"/>
+          </a:effectRef>
+          <a:fontRef idx="minor">
+            <a:schemeClr val="dk1"/>
+          </a:fontRef>
+        </p:style>
+        <p:txBody>
+          <a:bodyPr rtlCol="0" anchor="ctr"/>
+          <a:lstStyle/>
+          <a:p>
+            <a:pPr algn="ctr"/>
+            <a:r>
+              <a:rPr lang="ko-KR" altLang="en-US" sz="1500"/>
+              <a:t>출력</a:t>
+            </a:r>
+            <a:endParaRPr lang="en-US" altLang="ko-KR" sz="1500"/>
+          </a:p>
+          <a:p>
+            <a:pPr algn="ctr"/>
+            <a:r>
+              <a:rPr lang="en-US" altLang="ko-KR" sz="1500"/>
+              <a:t>(</a:t>
+            </a:r>
+            <a:r>
+              <a:rPr lang="ko-KR" altLang="en-US" sz="1500"/>
+              <a:t>브라우저</a:t>
+            </a:r>
+            <a:r>
+              <a:rPr lang="en-US" altLang="ko-KR" sz="1500"/>
+              <a:t>)</a:t>
+            </a:r>
+            <a:endParaRPr lang="en-US" altLang="ko-KR" sz="1500" dirty="0"/>
+          </a:p>
+        </p:txBody>
+      </p:sp>
+      <p:sp>
+        <p:nvSpPr>
+          <p:cNvPr id="19" name="TextBox 18">
+            <a:extLst>
+              <a:ext uri="{FF2B5EF4-FFF2-40B4-BE49-F238E27FC236}">
+                <a16:creationId xmlns:a16="http://schemas.microsoft.com/office/drawing/2014/main" id="{6CF65C9C-D93F-4D25-A967-F31BED2F9396}"/>
+              </a:ext>
+            </a:extLst>
+          </p:cNvPr>
+          <p:cNvSpPr txBox="1"/>
+          <p:nvPr/>
+        </p:nvSpPr>
+        <p:spPr>
+          <a:xfrm>
+            <a:off x="1493721" y="5053868"/>
+            <a:ext cx="1492716" cy="369332"/>
+          </a:xfrm>
+          <a:prstGeom prst="rect">
+            <a:avLst/>
+          </a:prstGeom>
+          <a:noFill/>
+        </p:spPr>
+        <p:txBody>
+          <a:bodyPr wrap="none" rtlCol="0">
+            <a:spAutoFit/>
+          </a:bodyPr>
+          <a:lstStyle/>
+          <a:p>
+            <a:r>
+              <a:rPr lang="ko-KR" altLang="en-US"/>
+              <a:t>우리회사</a:t>
+            </a:r>
+            <a:r>
+              <a:rPr lang="en-US" altLang="ko-KR"/>
+              <a:t>(</a:t>
+            </a:r>
+            <a:r>
+              <a:rPr lang="ko-KR" altLang="en-US"/>
+              <a:t>주</a:t>
+            </a:r>
+            <a:r>
+              <a:rPr lang="en-US" altLang="ko-KR"/>
+              <a:t>)</a:t>
+            </a:r>
+            <a:endParaRPr lang="en-US" altLang="ko-KR" dirty="0"/>
+          </a:p>
+        </p:txBody>
+      </p:sp>
+      <p:sp>
+        <p:nvSpPr>
+          <p:cNvPr id="11" name="TextBox 10">
+            <a:extLst>
+              <a:ext uri="{FF2B5EF4-FFF2-40B4-BE49-F238E27FC236}">
+                <a16:creationId xmlns:a16="http://schemas.microsoft.com/office/drawing/2014/main" id="{5CE6C161-D8DA-495A-BC3C-FDDCEE33E766}"/>
+              </a:ext>
+            </a:extLst>
+          </p:cNvPr>
+          <p:cNvSpPr txBox="1"/>
+          <p:nvPr/>
+        </p:nvSpPr>
+        <p:spPr>
+          <a:xfrm>
             <a:off x="4603284" y="5053868"/>
             <a:ext cx="1492716" cy="369332"/>
           </a:xfrm>
@@ -17078,7 +17698,7 @@
 </p:sld>
 </file>
 
-<file path=ppt/slides/slide5.xml><?xml version="1.0" encoding="utf-8"?>
+<file path=ppt/slides/slide6.xml><?xml version="1.0" encoding="utf-8"?>
 <p:sld xmlns:a="http://schemas.openxmlformats.org/drawingml/2006/main" xmlns:r="http://schemas.openxmlformats.org/officeDocument/2006/relationships" xmlns:p="http://schemas.openxmlformats.org/presentationml/2006/main">
   <p:cSld>
     <p:spTree>
